--- a/notes/notes/ds-algo/ch16-spa.pptx
+++ b/notes/notes/ds-algo/ch16-spa.pptx
@@ -5,7 +5,7 @@
     <p:sldMasterId id="2147483660" r:id="rId1"/>
   </p:sldMasterIdLst>
   <p:notesMasterIdLst>
-    <p:notesMasterId r:id="rId33"/>
+    <p:notesMasterId r:id="rId34"/>
   </p:notesMasterIdLst>
   <p:sldIdLst>
     <p:sldId id="257" r:id="rId2"/>
@@ -14,31 +14,32 @@
     <p:sldId id="284" r:id="rId5"/>
     <p:sldId id="285" r:id="rId6"/>
     <p:sldId id="286" r:id="rId7"/>
-    <p:sldId id="287" r:id="rId8"/>
-    <p:sldId id="288" r:id="rId9"/>
-    <p:sldId id="289" r:id="rId10"/>
-    <p:sldId id="290" r:id="rId11"/>
-    <p:sldId id="291" r:id="rId12"/>
-    <p:sldId id="292" r:id="rId13"/>
-    <p:sldId id="293" r:id="rId14"/>
-    <p:sldId id="294" r:id="rId15"/>
-    <p:sldId id="295" r:id="rId16"/>
-    <p:sldId id="296" r:id="rId17"/>
-    <p:sldId id="297" r:id="rId18"/>
-    <p:sldId id="298" r:id="rId19"/>
-    <p:sldId id="299" r:id="rId20"/>
-    <p:sldId id="300" r:id="rId21"/>
-    <p:sldId id="301" r:id="rId22"/>
-    <p:sldId id="302" r:id="rId23"/>
-    <p:sldId id="304" r:id="rId24"/>
-    <p:sldId id="305" r:id="rId25"/>
-    <p:sldId id="306" r:id="rId26"/>
-    <p:sldId id="307" r:id="rId27"/>
-    <p:sldId id="308" r:id="rId28"/>
-    <p:sldId id="309" r:id="rId29"/>
-    <p:sldId id="310" r:id="rId30"/>
-    <p:sldId id="311" r:id="rId31"/>
-    <p:sldId id="281" r:id="rId32"/>
+    <p:sldId id="312" r:id="rId8"/>
+    <p:sldId id="287" r:id="rId9"/>
+    <p:sldId id="288" r:id="rId10"/>
+    <p:sldId id="289" r:id="rId11"/>
+    <p:sldId id="290" r:id="rId12"/>
+    <p:sldId id="291" r:id="rId13"/>
+    <p:sldId id="292" r:id="rId14"/>
+    <p:sldId id="293" r:id="rId15"/>
+    <p:sldId id="294" r:id="rId16"/>
+    <p:sldId id="295" r:id="rId17"/>
+    <p:sldId id="296" r:id="rId18"/>
+    <p:sldId id="297" r:id="rId19"/>
+    <p:sldId id="298" r:id="rId20"/>
+    <p:sldId id="299" r:id="rId21"/>
+    <p:sldId id="300" r:id="rId22"/>
+    <p:sldId id="301" r:id="rId23"/>
+    <p:sldId id="302" r:id="rId24"/>
+    <p:sldId id="304" r:id="rId25"/>
+    <p:sldId id="305" r:id="rId26"/>
+    <p:sldId id="306" r:id="rId27"/>
+    <p:sldId id="307" r:id="rId28"/>
+    <p:sldId id="308" r:id="rId29"/>
+    <p:sldId id="309" r:id="rId30"/>
+    <p:sldId id="310" r:id="rId31"/>
+    <p:sldId id="311" r:id="rId32"/>
+    <p:sldId id="281" r:id="rId33"/>
   </p:sldIdLst>
   <p:sldSz cx="9144000" cy="6858000" type="screen4x3"/>
   <p:notesSz cx="6858000" cy="9144000"/>
@@ -227,7 +228,7 @@
           <a:p>
             <a:fld id="{9BFDADED-620D-D24E-82E2-96F000A12D1D}" type="datetimeFigureOut">
               <a:rPr lang="en-CN" smtClean="0"/>
-              <a:t>2024/1/26</a:t>
+              <a:t>2024/1/29</a:t>
             </a:fld>
             <a:endParaRPr lang="en-CN"/>
           </a:p>
@@ -644,7 +645,7 @@
           <a:p>
             <a:fld id="{9A852FB5-1F09-5546-B530-97D4A6D60E74}" type="slidenum">
               <a:rPr lang="en-CN" smtClean="0"/>
-              <a:t>23</a:t>
+              <a:t>24</a:t>
             </a:fld>
             <a:endParaRPr lang="en-CN"/>
           </a:p>
@@ -1847,7 +1848,7 @@
           <a:p>
             <a:fld id="{58D30FAB-176C-8449-8796-69F8D9C85B57}" type="datetime1">
               <a:rPr lang="en-US" smtClean="0"/>
-              <a:t>1/26/24</a:t>
+              <a:t>1/29/24</a:t>
             </a:fld>
             <a:endParaRPr lang="en-CN"/>
           </a:p>
@@ -3339,7 +3340,7 @@
           <p:cNvPr id="2" name="Slide Number Placeholder 1">
             <a:extLst>
               <a:ext uri="{FF2B5EF4-FFF2-40B4-BE49-F238E27FC236}">
-                <a16:creationId xmlns:a16="http://schemas.microsoft.com/office/drawing/2014/main" id="{3D6EB030-A821-FACB-7A9F-6F46C829DEDF}"/>
+                <a16:creationId xmlns:a16="http://schemas.microsoft.com/office/drawing/2014/main" id="{212ABD0C-005B-BACF-261C-214CA22158B8}"/>
               </a:ext>
             </a:extLst>
           </p:cNvPr>
@@ -3359,6 +3360,479 @@
               <a:rPr lang="en-CN" smtClean="0"/>
               <a:pPr/>
               <a:t>10</a:t>
+            </a:fld>
+            <a:endParaRPr lang="en-CN"/>
+          </a:p>
+        </p:txBody>
+      </p:sp>
+      <p:sp>
+        <p:nvSpPr>
+          <p:cNvPr id="3" name="Title 2">
+            <a:extLst>
+              <a:ext uri="{FF2B5EF4-FFF2-40B4-BE49-F238E27FC236}">
+                <a16:creationId xmlns:a16="http://schemas.microsoft.com/office/drawing/2014/main" id="{075D986E-236E-6F49-8BC8-89C86ED666F3}"/>
+              </a:ext>
+            </a:extLst>
+          </p:cNvPr>
+          <p:cNvSpPr>
+            <a:spLocks noGrp="1"/>
+          </p:cNvSpPr>
+          <p:nvPr>
+            <p:ph type="title"/>
+          </p:nvPr>
+        </p:nvSpPr>
+        <p:spPr/>
+        <p:txBody>
+          <a:bodyPr/>
+          <a:lstStyle/>
+          <a:p>
+            <a:r>
+              <a:rPr kumimoji="1" lang="en-US" altLang="zh-CN" dirty="0"/>
+              <a:t>Relaxing</a:t>
+            </a:r>
+            <a:r>
+              <a:rPr kumimoji="1" lang="zh-CN" altLang="en-US" dirty="0"/>
+              <a:t> </a:t>
+            </a:r>
+            <a:r>
+              <a:rPr kumimoji="1" lang="en-US" altLang="zh-CN" dirty="0"/>
+              <a:t>edges</a:t>
+            </a:r>
+            <a:endParaRPr kumimoji="1" lang="zh-CN" altLang="en-US" dirty="0"/>
+          </a:p>
+        </p:txBody>
+      </p:sp>
+      <p:sp>
+        <p:nvSpPr>
+          <p:cNvPr id="4" name="TextBox 3">
+            <a:extLst>
+              <a:ext uri="{FF2B5EF4-FFF2-40B4-BE49-F238E27FC236}">
+                <a16:creationId xmlns:a16="http://schemas.microsoft.com/office/drawing/2014/main" id="{CB02955A-B6D2-7B8E-F0A4-431E9EAAF15C}"/>
+              </a:ext>
+            </a:extLst>
+          </p:cNvPr>
+          <p:cNvSpPr txBox="1"/>
+          <p:nvPr/>
+        </p:nvSpPr>
+        <p:spPr>
+          <a:xfrm>
+            <a:off x="688622" y="1241778"/>
+            <a:ext cx="6707927" cy="4154984"/>
+          </a:xfrm>
+          <a:prstGeom prst="rect">
+            <a:avLst/>
+          </a:prstGeom>
+          <a:noFill/>
+        </p:spPr>
+        <p:txBody>
+          <a:bodyPr wrap="none" rtlCol="0">
+            <a:spAutoFit/>
+          </a:bodyPr>
+          <a:lstStyle/>
+          <a:p>
+            <a:pPr marL="342900" indent="-342900" algn="l">
+              <a:buFont typeface="Arial" panose="020B0604020202020204" pitchFamily="34" charset="0"/>
+              <a:buChar char="•"/>
+            </a:pPr>
+            <a:r>
+              <a:rPr kumimoji="1" lang="en-US" altLang="zh-CN" sz="2400" dirty="0"/>
+              <a:t>find?</a:t>
+            </a:r>
+            <a:r>
+              <a:rPr kumimoji="1" lang="zh-CN" altLang="en-US" sz="2400" dirty="0"/>
+              <a:t> </a:t>
+            </a:r>
+            <a:r>
+              <a:rPr kumimoji="1" lang="en-US" altLang="zh-CN" sz="2400" dirty="0"/>
+              <a:t>how</a:t>
+            </a:r>
+            <a:r>
+              <a:rPr kumimoji="1" lang="zh-CN" altLang="en-US" sz="2400" dirty="0"/>
+              <a:t> </a:t>
+            </a:r>
+            <a:r>
+              <a:rPr kumimoji="1" lang="en-US" altLang="zh-CN" sz="2400" dirty="0"/>
+              <a:t>to</a:t>
+            </a:r>
+            <a:r>
+              <a:rPr kumimoji="1" lang="zh-CN" altLang="en-US" sz="2400" dirty="0"/>
+              <a:t> </a:t>
+            </a:r>
+            <a:r>
+              <a:rPr kumimoji="1" lang="en-US" altLang="zh-CN" sz="2400" dirty="0"/>
+              <a:t>relax?</a:t>
+            </a:r>
+          </a:p>
+          <a:p>
+            <a:pPr algn="l"/>
+            <a:endParaRPr kumimoji="1" lang="en-US" altLang="zh-CN" sz="2400" dirty="0"/>
+          </a:p>
+          <a:p>
+            <a:pPr algn="l"/>
+            <a:r>
+              <a:rPr kumimoji="1" lang="en-US" altLang="zh-CN" sz="2400" dirty="0"/>
+              <a:t>depends</a:t>
+            </a:r>
+            <a:r>
+              <a:rPr kumimoji="1" lang="zh-CN" altLang="en-US" sz="2400" dirty="0"/>
+              <a:t> </a:t>
+            </a:r>
+            <a:r>
+              <a:rPr kumimoji="1" lang="en-US" altLang="zh-CN" sz="2400" dirty="0"/>
+              <a:t>on</a:t>
+            </a:r>
+            <a:r>
+              <a:rPr kumimoji="1" lang="zh-CN" altLang="en-US" sz="2400" dirty="0"/>
+              <a:t> </a:t>
+            </a:r>
+            <a:endParaRPr kumimoji="1" lang="en-US" altLang="zh-CN" sz="2400" dirty="0"/>
+          </a:p>
+          <a:p>
+            <a:pPr marL="342900" indent="-342900" algn="l">
+              <a:buFont typeface="Arial" panose="020B0604020202020204" pitchFamily="34" charset="0"/>
+              <a:buChar char="•"/>
+            </a:pPr>
+            <a:r>
+              <a:rPr kumimoji="1" lang="en-US" altLang="zh-CN" sz="2400" dirty="0"/>
+              <a:t>the</a:t>
+            </a:r>
+            <a:r>
+              <a:rPr kumimoji="1" lang="zh-CN" altLang="en-US" sz="2400" dirty="0"/>
+              <a:t> </a:t>
+            </a:r>
+            <a:r>
+              <a:rPr kumimoji="1" lang="en-US" altLang="zh-CN" sz="2400" dirty="0"/>
+              <a:t>property</a:t>
+            </a:r>
+            <a:r>
+              <a:rPr kumimoji="1" lang="zh-CN" altLang="en-US" sz="2400" dirty="0"/>
+              <a:t> </a:t>
+            </a:r>
+            <a:r>
+              <a:rPr kumimoji="1" lang="en-US" altLang="zh-CN" sz="2400" dirty="0"/>
+              <a:t>of</a:t>
+            </a:r>
+            <a:r>
+              <a:rPr kumimoji="1" lang="zh-CN" altLang="en-US" sz="2400" dirty="0"/>
+              <a:t> </a:t>
+            </a:r>
+            <a:r>
+              <a:rPr kumimoji="1" lang="en-US" altLang="zh-CN" sz="2400" dirty="0"/>
+              <a:t>the</a:t>
+            </a:r>
+            <a:r>
+              <a:rPr kumimoji="1" lang="zh-CN" altLang="en-US" sz="2400" dirty="0"/>
+              <a:t> </a:t>
+            </a:r>
+            <a:r>
+              <a:rPr kumimoji="1" lang="en-US" altLang="zh-CN" sz="2400" dirty="0"/>
+              <a:t>graph</a:t>
+            </a:r>
+          </a:p>
+          <a:p>
+            <a:pPr marL="800100" lvl="1" indent="-342900">
+              <a:buFont typeface="Arial" panose="020B0604020202020204" pitchFamily="34" charset="0"/>
+              <a:buChar char="•"/>
+            </a:pPr>
+            <a:r>
+              <a:rPr kumimoji="1" lang="en-US" altLang="zh-CN" sz="2400" dirty="0"/>
+              <a:t>negative</a:t>
+            </a:r>
+            <a:r>
+              <a:rPr kumimoji="1" lang="zh-CN" altLang="en-US" sz="2400" dirty="0"/>
+              <a:t> </a:t>
+            </a:r>
+            <a:r>
+              <a:rPr kumimoji="1" lang="en-US" altLang="zh-CN" sz="2400" dirty="0"/>
+              <a:t>cycle?</a:t>
+            </a:r>
+            <a:r>
+              <a:rPr kumimoji="1" lang="zh-CN" altLang="en-US" sz="2400" dirty="0"/>
+              <a:t> </a:t>
+            </a:r>
+            <a:r>
+              <a:rPr kumimoji="1" lang="en-US" altLang="zh-CN" sz="2400" dirty="0"/>
+              <a:t>weighted?</a:t>
+            </a:r>
+            <a:r>
+              <a:rPr kumimoji="1" lang="zh-CN" altLang="en-US" sz="2400" dirty="0"/>
+              <a:t> </a:t>
+            </a:r>
+            <a:r>
+              <a:rPr kumimoji="1" lang="en-US" altLang="zh-CN" sz="2400" dirty="0"/>
+              <a:t>…</a:t>
+            </a:r>
+          </a:p>
+          <a:p>
+            <a:pPr marL="800100" lvl="1" indent="-342900">
+              <a:buFont typeface="Arial" panose="020B0604020202020204" pitchFamily="34" charset="0"/>
+              <a:buChar char="•"/>
+            </a:pPr>
+            <a:endParaRPr kumimoji="1" lang="en-US" altLang="zh-CN" sz="2400" dirty="0"/>
+          </a:p>
+          <a:p>
+            <a:r>
+              <a:rPr kumimoji="1" lang="en-US" altLang="zh-CN" sz="2400" dirty="0"/>
+              <a:t>4</a:t>
+            </a:r>
+            <a:r>
+              <a:rPr kumimoji="1" lang="zh-CN" altLang="en-US" sz="2400" dirty="0"/>
+              <a:t> </a:t>
+            </a:r>
+            <a:r>
+              <a:rPr kumimoji="1" lang="en-US" altLang="zh-CN" sz="2400" dirty="0"/>
+              <a:t>variants</a:t>
+            </a:r>
+          </a:p>
+          <a:p>
+            <a:pPr marL="342900" indent="-342900">
+              <a:buFont typeface="Arial" panose="020B0604020202020204" pitchFamily="34" charset="0"/>
+              <a:buChar char="•"/>
+            </a:pPr>
+            <a:r>
+              <a:rPr kumimoji="1" lang="en-US" altLang="zh-CN" sz="2400" dirty="0"/>
+              <a:t>Unweighted</a:t>
+            </a:r>
+            <a:r>
+              <a:rPr kumimoji="1" lang="zh-CN" altLang="en-US" sz="2400" dirty="0"/>
+              <a:t> </a:t>
+            </a:r>
+            <a:r>
+              <a:rPr kumimoji="1" lang="en-US" altLang="zh-CN" sz="2400" dirty="0"/>
+              <a:t>graphs</a:t>
+            </a:r>
+            <a:r>
+              <a:rPr kumimoji="1" lang="zh-CN" altLang="en-US" sz="2400" dirty="0"/>
+              <a:t> </a:t>
+            </a:r>
+            <a:r>
+              <a:rPr kumimoji="1" lang="en-US" altLang="zh-CN" sz="2400" dirty="0"/>
+              <a:t>–</a:t>
+            </a:r>
+            <a:r>
+              <a:rPr kumimoji="1" lang="zh-CN" altLang="en-US" sz="2400" dirty="0"/>
+              <a:t> </a:t>
+            </a:r>
+            <a:r>
+              <a:rPr kumimoji="1" lang="en-US" altLang="zh-CN" sz="2400" dirty="0"/>
+              <a:t>Breadth</a:t>
+            </a:r>
+            <a:r>
+              <a:rPr kumimoji="1" lang="zh-CN" altLang="en-US" sz="2400" dirty="0"/>
+              <a:t> </a:t>
+            </a:r>
+            <a:r>
+              <a:rPr kumimoji="1" lang="en-US" altLang="zh-CN" sz="2400" dirty="0"/>
+              <a:t>First</a:t>
+            </a:r>
+            <a:r>
+              <a:rPr kumimoji="1" lang="zh-CN" altLang="en-US" sz="2400" dirty="0"/>
+              <a:t> </a:t>
+            </a:r>
+            <a:r>
+              <a:rPr kumimoji="1" lang="en-US" altLang="zh-CN" sz="2400" dirty="0"/>
+              <a:t>Search</a:t>
+            </a:r>
+          </a:p>
+          <a:p>
+            <a:pPr marL="342900" indent="-342900">
+              <a:buFont typeface="Arial" panose="020B0604020202020204" pitchFamily="34" charset="0"/>
+              <a:buChar char="•"/>
+            </a:pPr>
+            <a:r>
+              <a:rPr kumimoji="1" lang="en-US" altLang="zh-CN" sz="2400" dirty="0"/>
+              <a:t>Directed</a:t>
+            </a:r>
+            <a:r>
+              <a:rPr kumimoji="1" lang="zh-CN" altLang="en-US" sz="2400" dirty="0"/>
+              <a:t> </a:t>
+            </a:r>
+            <a:r>
+              <a:rPr kumimoji="1" lang="en-US" altLang="zh-CN" sz="2400" dirty="0"/>
+              <a:t>Acyclic</a:t>
+            </a:r>
+            <a:r>
+              <a:rPr kumimoji="1" lang="zh-CN" altLang="en-US" sz="2400" dirty="0"/>
+              <a:t> </a:t>
+            </a:r>
+            <a:r>
+              <a:rPr kumimoji="1" lang="en-US" altLang="zh-CN" sz="2400" dirty="0"/>
+              <a:t>Graphs</a:t>
+            </a:r>
+            <a:r>
+              <a:rPr kumimoji="1" lang="zh-CN" altLang="en-US" sz="2400" dirty="0"/>
+              <a:t> </a:t>
+            </a:r>
+            <a:r>
+              <a:rPr kumimoji="1" lang="en-US" altLang="zh-CN" sz="2400" dirty="0"/>
+              <a:t>–</a:t>
+            </a:r>
+            <a:r>
+              <a:rPr kumimoji="1" lang="zh-CN" altLang="en-US" sz="2400" dirty="0"/>
+              <a:t> </a:t>
+            </a:r>
+            <a:r>
+              <a:rPr kumimoji="1" lang="en-US" altLang="zh-CN" sz="2400" dirty="0"/>
+              <a:t>Depth</a:t>
+            </a:r>
+            <a:r>
+              <a:rPr kumimoji="1" lang="zh-CN" altLang="en-US" sz="2400" dirty="0"/>
+              <a:t> </a:t>
+            </a:r>
+            <a:r>
+              <a:rPr kumimoji="1" lang="en-US" altLang="zh-CN" sz="2400" dirty="0"/>
+              <a:t>First</a:t>
+            </a:r>
+            <a:r>
+              <a:rPr kumimoji="1" lang="zh-CN" altLang="en-US" sz="2400" dirty="0"/>
+              <a:t> </a:t>
+            </a:r>
+            <a:r>
+              <a:rPr kumimoji="1" lang="en-US" altLang="zh-CN" sz="2400" dirty="0"/>
+              <a:t>Search</a:t>
+            </a:r>
+          </a:p>
+          <a:p>
+            <a:pPr marL="342900" indent="-342900">
+              <a:buFont typeface="Arial" panose="020B0604020202020204" pitchFamily="34" charset="0"/>
+              <a:buChar char="•"/>
+            </a:pPr>
+            <a:r>
+              <a:rPr kumimoji="1" lang="en-US" altLang="zh-CN" sz="2400" dirty="0"/>
+              <a:t>Best</a:t>
+            </a:r>
+            <a:r>
+              <a:rPr kumimoji="1" lang="zh-CN" altLang="en-US" sz="2400" dirty="0"/>
+              <a:t> </a:t>
+            </a:r>
+            <a:r>
+              <a:rPr kumimoji="1" lang="en-US" altLang="zh-CN" sz="2400" dirty="0"/>
+              <a:t>First</a:t>
+            </a:r>
+            <a:r>
+              <a:rPr kumimoji="1" lang="zh-CN" altLang="en-US" sz="2400" dirty="0"/>
+              <a:t> </a:t>
+            </a:r>
+            <a:r>
+              <a:rPr kumimoji="1" lang="en-US" altLang="zh-CN" sz="2400" dirty="0"/>
+              <a:t>–</a:t>
+            </a:r>
+            <a:r>
+              <a:rPr kumimoji="1" lang="zh-CN" altLang="en-US" sz="2400" dirty="0"/>
+              <a:t> </a:t>
+            </a:r>
+            <a:r>
+              <a:rPr kumimoji="1" lang="en-US" altLang="zh-CN" sz="2400" dirty="0"/>
+              <a:t>Dijkstra's</a:t>
+            </a:r>
+            <a:r>
+              <a:rPr kumimoji="1" lang="zh-CN" altLang="en-US" sz="2400" dirty="0"/>
+              <a:t> </a:t>
+            </a:r>
+            <a:r>
+              <a:rPr kumimoji="1" lang="en-US" altLang="zh-CN" sz="2400" dirty="0"/>
+              <a:t>Algorithm</a:t>
+            </a:r>
+          </a:p>
+          <a:p>
+            <a:pPr marL="342900" indent="-342900">
+              <a:buFont typeface="Arial" panose="020B0604020202020204" pitchFamily="34" charset="0"/>
+              <a:buChar char="•"/>
+            </a:pPr>
+            <a:r>
+              <a:rPr kumimoji="1" lang="en-US" altLang="zh-CN" sz="2400" dirty="0"/>
+              <a:t>Relax</a:t>
+            </a:r>
+            <a:r>
+              <a:rPr kumimoji="1" lang="zh-CN" altLang="en-US" sz="2400" dirty="0"/>
+              <a:t> </a:t>
+            </a:r>
+            <a:r>
+              <a:rPr kumimoji="1" lang="en-US" altLang="zh-CN" sz="2400" dirty="0"/>
+              <a:t>all</a:t>
+            </a:r>
+            <a:r>
+              <a:rPr kumimoji="1" lang="zh-CN" altLang="en-US" sz="2400" dirty="0"/>
+              <a:t> </a:t>
+            </a:r>
+            <a:r>
+              <a:rPr kumimoji="1" lang="en-US" altLang="zh-CN" sz="2400" dirty="0"/>
+              <a:t>edges</a:t>
+            </a:r>
+            <a:r>
+              <a:rPr kumimoji="1" lang="zh-CN" altLang="en-US" sz="2400" dirty="0"/>
+              <a:t> </a:t>
+            </a:r>
+            <a:r>
+              <a:rPr kumimoji="1" lang="en-US" altLang="zh-CN" sz="2400" dirty="0"/>
+              <a:t>–</a:t>
+            </a:r>
+            <a:r>
+              <a:rPr kumimoji="1" lang="zh-CN" altLang="en-US" sz="2400" dirty="0"/>
+              <a:t> </a:t>
+            </a:r>
+            <a:r>
+              <a:rPr kumimoji="1" lang="en-US" altLang="zh-CN" sz="2400" dirty="0"/>
+              <a:t>Bellman-Ford</a:t>
+            </a:r>
+          </a:p>
+        </p:txBody>
+      </p:sp>
+    </p:spTree>
+    <p:extLst>
+      <p:ext uri="{BB962C8B-B14F-4D97-AF65-F5344CB8AC3E}">
+        <p14:creationId xmlns:p14="http://schemas.microsoft.com/office/powerpoint/2010/main" val="2488302301"/>
+      </p:ext>
+    </p:extLst>
+  </p:cSld>
+  <p:clrMapOvr>
+    <a:masterClrMapping/>
+  </p:clrMapOvr>
+</p:sld>
+</file>
+
+<file path=ppt/slides/slide11.xml><?xml version="1.0" encoding="utf-8"?>
+<p:sld xmlns:a="http://schemas.openxmlformats.org/drawingml/2006/main" xmlns:r="http://schemas.openxmlformats.org/officeDocument/2006/relationships" xmlns:p="http://schemas.openxmlformats.org/presentationml/2006/main">
+  <p:cSld>
+    <p:spTree>
+      <p:nvGrpSpPr>
+        <p:cNvPr id="1" name=""/>
+        <p:cNvGrpSpPr/>
+        <p:nvPr/>
+      </p:nvGrpSpPr>
+      <p:grpSpPr>
+        <a:xfrm>
+          <a:off x="0" y="0"/>
+          <a:ext cx="0" cy="0"/>
+          <a:chOff x="0" y="0"/>
+          <a:chExt cx="0" cy="0"/>
+        </a:xfrm>
+      </p:grpSpPr>
+      <p:sp>
+        <p:nvSpPr>
+          <p:cNvPr id="2" name="Slide Number Placeholder 1">
+            <a:extLst>
+              <a:ext uri="{FF2B5EF4-FFF2-40B4-BE49-F238E27FC236}">
+                <a16:creationId xmlns:a16="http://schemas.microsoft.com/office/drawing/2014/main" id="{3D6EB030-A821-FACB-7A9F-6F46C829DEDF}"/>
+              </a:ext>
+            </a:extLst>
+          </p:cNvPr>
+          <p:cNvSpPr>
+            <a:spLocks noGrp="1"/>
+          </p:cNvSpPr>
+          <p:nvPr>
+            <p:ph type="sldNum" sz="quarter" idx="12"/>
+          </p:nvPr>
+        </p:nvSpPr>
+        <p:spPr/>
+        <p:txBody>
+          <a:bodyPr/>
+          <a:lstStyle/>
+          <a:p>
+            <a:fld id="{7A304655-5D53-B746-8252-3F5A598C52D3}" type="slidenum">
+              <a:rPr lang="en-CN" smtClean="0"/>
+              <a:pPr/>
+              <a:t>11</a:t>
             </a:fld>
             <a:endParaRPr lang="en-CN"/>
           </a:p>
@@ -3588,7 +4062,7 @@
 </p:sld>
 </file>
 
-<file path=ppt/slides/slide11.xml><?xml version="1.0" encoding="utf-8"?>
+<file path=ppt/slides/slide12.xml><?xml version="1.0" encoding="utf-8"?>
 <p:sld xmlns:a="http://schemas.openxmlformats.org/drawingml/2006/main" xmlns:r="http://schemas.openxmlformats.org/officeDocument/2006/relationships" xmlns:p="http://schemas.openxmlformats.org/presentationml/2006/main">
   <p:cSld>
     <p:spTree>
@@ -3629,7 +4103,7 @@
             <a:fld id="{7A304655-5D53-B746-8252-3F5A598C52D3}" type="slidenum">
               <a:rPr lang="en-CN" smtClean="0"/>
               <a:pPr/>
-              <a:t>11</a:t>
+              <a:t>12</a:t>
             </a:fld>
             <a:endParaRPr lang="en-CN"/>
           </a:p>
@@ -4198,7 +4672,7 @@
 </p:sld>
 </file>
 
-<file path=ppt/slides/slide12.xml><?xml version="1.0" encoding="utf-8"?>
+<file path=ppt/slides/slide13.xml><?xml version="1.0" encoding="utf-8"?>
 <p:sld xmlns:a="http://schemas.openxmlformats.org/drawingml/2006/main" xmlns:r="http://schemas.openxmlformats.org/officeDocument/2006/relationships" xmlns:p="http://schemas.openxmlformats.org/presentationml/2006/main">
   <p:cSld>
     <p:spTree>
@@ -4239,7 +4713,7 @@
             <a:fld id="{7A304655-5D53-B746-8252-3F5A598C52D3}" type="slidenum">
               <a:rPr lang="en-CN" smtClean="0"/>
               <a:pPr/>
-              <a:t>12</a:t>
+              <a:t>13</a:t>
             </a:fld>
             <a:endParaRPr lang="en-CN"/>
           </a:p>
@@ -4682,7 +5156,7 @@
 </p:sld>
 </file>
 
-<file path=ppt/slides/slide13.xml><?xml version="1.0" encoding="utf-8"?>
+<file path=ppt/slides/slide14.xml><?xml version="1.0" encoding="utf-8"?>
 <p:sld xmlns:a="http://schemas.openxmlformats.org/drawingml/2006/main" xmlns:r="http://schemas.openxmlformats.org/officeDocument/2006/relationships" xmlns:p="http://schemas.openxmlformats.org/presentationml/2006/main">
   <p:cSld>
     <p:spTree>
@@ -4723,7 +5197,7 @@
             <a:fld id="{7A304655-5D53-B746-8252-3F5A598C52D3}" type="slidenum">
               <a:rPr lang="en-CN" smtClean="0"/>
               <a:pPr/>
-              <a:t>13</a:t>
+              <a:t>14</a:t>
             </a:fld>
             <a:endParaRPr lang="en-CN"/>
           </a:p>
@@ -4877,7 +5351,7 @@
 </p:sld>
 </file>
 
-<file path=ppt/slides/slide14.xml><?xml version="1.0" encoding="utf-8"?>
+<file path=ppt/slides/slide15.xml><?xml version="1.0" encoding="utf-8"?>
 <p:sld xmlns:a="http://schemas.openxmlformats.org/drawingml/2006/main" xmlns:r="http://schemas.openxmlformats.org/officeDocument/2006/relationships" xmlns:p="http://schemas.openxmlformats.org/presentationml/2006/main">
   <p:cSld>
     <p:spTree>
@@ -4918,7 +5392,7 @@
             <a:fld id="{7A304655-5D53-B746-8252-3F5A598C52D3}" type="slidenum">
               <a:rPr lang="en-CN" smtClean="0"/>
               <a:pPr/>
-              <a:t>14</a:t>
+              <a:t>15</a:t>
             </a:fld>
             <a:endParaRPr lang="en-CN"/>
           </a:p>
@@ -5889,7 +6363,7 @@
 </p:sld>
 </file>
 
-<file path=ppt/slides/slide15.xml><?xml version="1.0" encoding="utf-8"?>
+<file path=ppt/slides/slide16.xml><?xml version="1.0" encoding="utf-8"?>
 <p:sld xmlns:a="http://schemas.openxmlformats.org/drawingml/2006/main" xmlns:r="http://schemas.openxmlformats.org/officeDocument/2006/relationships" xmlns:p="http://schemas.openxmlformats.org/presentationml/2006/main">
   <p:cSld>
     <p:spTree>
@@ -5930,7 +6404,7 @@
             <a:fld id="{7A304655-5D53-B746-8252-3F5A598C52D3}" type="slidenum">
               <a:rPr lang="en-CN" smtClean="0"/>
               <a:pPr/>
-              <a:t>15</a:t>
+              <a:t>16</a:t>
             </a:fld>
             <a:endParaRPr lang="en-CN"/>
           </a:p>
@@ -6593,7 +7067,7 @@
 </p:sld>
 </file>
 
-<file path=ppt/slides/slide16.xml><?xml version="1.0" encoding="utf-8"?>
+<file path=ppt/slides/slide17.xml><?xml version="1.0" encoding="utf-8"?>
 <p:sld xmlns:a="http://schemas.openxmlformats.org/drawingml/2006/main" xmlns:r="http://schemas.openxmlformats.org/officeDocument/2006/relationships" xmlns:p="http://schemas.openxmlformats.org/presentationml/2006/main">
   <p:cSld>
     <p:spTree>
@@ -6634,7 +7108,7 @@
             <a:fld id="{7A304655-5D53-B746-8252-3F5A598C52D3}" type="slidenum">
               <a:rPr lang="en-CN" smtClean="0"/>
               <a:pPr/>
-              <a:t>16</a:t>
+              <a:t>17</a:t>
             </a:fld>
             <a:endParaRPr lang="en-CN"/>
           </a:p>
@@ -7272,7 +7746,7 @@
 </p:sld>
 </file>
 
-<file path=ppt/slides/slide17.xml><?xml version="1.0" encoding="utf-8"?>
+<file path=ppt/slides/slide18.xml><?xml version="1.0" encoding="utf-8"?>
 <p:sld xmlns:a="http://schemas.openxmlformats.org/drawingml/2006/main" xmlns:r="http://schemas.openxmlformats.org/officeDocument/2006/relationships" xmlns:p="http://schemas.openxmlformats.org/presentationml/2006/main">
   <p:cSld>
     <p:spTree>
@@ -7313,7 +7787,7 @@
             <a:fld id="{7A304655-5D53-B746-8252-3F5A598C52D3}" type="slidenum">
               <a:rPr lang="en-CN" smtClean="0"/>
               <a:pPr/>
-              <a:t>17</a:t>
+              <a:t>18</a:t>
             </a:fld>
             <a:endParaRPr lang="en-CN"/>
           </a:p>
@@ -7598,7 +8072,7 @@
 </p:sld>
 </file>
 
-<file path=ppt/slides/slide18.xml><?xml version="1.0" encoding="utf-8"?>
+<file path=ppt/slides/slide19.xml><?xml version="1.0" encoding="utf-8"?>
 <p:sld xmlns:a="http://schemas.openxmlformats.org/drawingml/2006/main" xmlns:r="http://schemas.openxmlformats.org/officeDocument/2006/relationships" xmlns:p="http://schemas.openxmlformats.org/presentationml/2006/main">
   <p:cSld>
     <p:spTree>
@@ -7639,7 +8113,7 @@
             <a:fld id="{7A304655-5D53-B746-8252-3F5A598C52D3}" type="slidenum">
               <a:rPr lang="en-CN" smtClean="0"/>
               <a:pPr/>
-              <a:t>18</a:t>
+              <a:t>19</a:t>
             </a:fld>
             <a:endParaRPr lang="en-CN"/>
           </a:p>
@@ -8428,7 +8902,7 @@
 </p:sld>
 </file>
 
-<file path=ppt/slides/slide19.xml><?xml version="1.0" encoding="utf-8"?>
+<file path=ppt/slides/slide2.xml><?xml version="1.0" encoding="utf-8"?>
 <p:sld xmlns:a="http://schemas.openxmlformats.org/drawingml/2006/main" xmlns:r="http://schemas.openxmlformats.org/officeDocument/2006/relationships" xmlns:p="http://schemas.openxmlformats.org/presentationml/2006/main">
   <p:cSld>
     <p:spTree>
@@ -8450,7 +8924,7 @@
           <p:cNvPr id="2" name="Slide Number Placeholder 1">
             <a:extLst>
               <a:ext uri="{FF2B5EF4-FFF2-40B4-BE49-F238E27FC236}">
-                <a16:creationId xmlns:a16="http://schemas.microsoft.com/office/drawing/2014/main" id="{13D29E08-7F5B-D4D6-7AF5-A4F749BE8C51}"/>
+                <a16:creationId xmlns:a16="http://schemas.microsoft.com/office/drawing/2014/main" id="{B8D6A3D3-45DC-4A67-EA57-E1DA447EFEA0}"/>
               </a:ext>
             </a:extLst>
           </p:cNvPr>
@@ -8469,7 +8943,96 @@
             <a:fld id="{7A304655-5D53-B746-8252-3F5A598C52D3}" type="slidenum">
               <a:rPr lang="en-CN" smtClean="0"/>
               <a:pPr/>
-              <a:t>19</a:t>
+              <a:t>2</a:t>
+            </a:fld>
+            <a:endParaRPr lang="en-CN"/>
+          </a:p>
+        </p:txBody>
+      </p:sp>
+      <p:sp>
+        <p:nvSpPr>
+          <p:cNvPr id="4" name="Title 3">
+            <a:extLst>
+              <a:ext uri="{FF2B5EF4-FFF2-40B4-BE49-F238E27FC236}">
+                <a16:creationId xmlns:a16="http://schemas.microsoft.com/office/drawing/2014/main" id="{11DC9AD8-7EE1-9698-0386-A48FFA8D8DC8}"/>
+              </a:ext>
+            </a:extLst>
+          </p:cNvPr>
+          <p:cNvSpPr>
+            <a:spLocks noGrp="1"/>
+          </p:cNvSpPr>
+          <p:nvPr>
+            <p:ph type="title"/>
+          </p:nvPr>
+        </p:nvSpPr>
+        <p:spPr/>
+        <p:txBody>
+          <a:bodyPr/>
+          <a:lstStyle/>
+          <a:p>
+            <a:r>
+              <a:rPr lang="en-US" altLang="zh-CN" dirty="0"/>
+              <a:t>Relax</a:t>
+            </a:r>
+            <a:endParaRPr lang="zh-CN" altLang="en-US" dirty="0"/>
+          </a:p>
+        </p:txBody>
+      </p:sp>
+    </p:spTree>
+    <p:extLst>
+      <p:ext uri="{BB962C8B-B14F-4D97-AF65-F5344CB8AC3E}">
+        <p14:creationId xmlns:p14="http://schemas.microsoft.com/office/powerpoint/2010/main" val="2514182792"/>
+      </p:ext>
+    </p:extLst>
+  </p:cSld>
+  <p:clrMapOvr>
+    <a:masterClrMapping/>
+  </p:clrMapOvr>
+</p:sld>
+</file>
+
+<file path=ppt/slides/slide20.xml><?xml version="1.0" encoding="utf-8"?>
+<p:sld xmlns:a="http://schemas.openxmlformats.org/drawingml/2006/main" xmlns:r="http://schemas.openxmlformats.org/officeDocument/2006/relationships" xmlns:p="http://schemas.openxmlformats.org/presentationml/2006/main">
+  <p:cSld>
+    <p:spTree>
+      <p:nvGrpSpPr>
+        <p:cNvPr id="1" name=""/>
+        <p:cNvGrpSpPr/>
+        <p:nvPr/>
+      </p:nvGrpSpPr>
+      <p:grpSpPr>
+        <a:xfrm>
+          <a:off x="0" y="0"/>
+          <a:ext cx="0" cy="0"/>
+          <a:chOff x="0" y="0"/>
+          <a:chExt cx="0" cy="0"/>
+        </a:xfrm>
+      </p:grpSpPr>
+      <p:sp>
+        <p:nvSpPr>
+          <p:cNvPr id="2" name="Slide Number Placeholder 1">
+            <a:extLst>
+              <a:ext uri="{FF2B5EF4-FFF2-40B4-BE49-F238E27FC236}">
+                <a16:creationId xmlns:a16="http://schemas.microsoft.com/office/drawing/2014/main" id="{13D29E08-7F5B-D4D6-7AF5-A4F749BE8C51}"/>
+              </a:ext>
+            </a:extLst>
+          </p:cNvPr>
+          <p:cNvSpPr>
+            <a:spLocks noGrp="1"/>
+          </p:cNvSpPr>
+          <p:nvPr>
+            <p:ph type="sldNum" sz="quarter" idx="12"/>
+          </p:nvPr>
+        </p:nvSpPr>
+        <p:spPr/>
+        <p:txBody>
+          <a:bodyPr/>
+          <a:lstStyle/>
+          <a:p>
+            <a:fld id="{7A304655-5D53-B746-8252-3F5A598C52D3}" type="slidenum">
+              <a:rPr lang="en-CN" smtClean="0"/>
+              <a:pPr/>
+              <a:t>20</a:t>
             </a:fld>
             <a:endParaRPr lang="en-CN"/>
           </a:p>
@@ -9669,7 +10232,7 @@
 </p:sld>
 </file>
 
-<file path=ppt/slides/slide2.xml><?xml version="1.0" encoding="utf-8"?>
+<file path=ppt/slides/slide21.xml><?xml version="1.0" encoding="utf-8"?>
 <p:sld xmlns:a="http://schemas.openxmlformats.org/drawingml/2006/main" xmlns:r="http://schemas.openxmlformats.org/officeDocument/2006/relationships" xmlns:p="http://schemas.openxmlformats.org/presentationml/2006/main">
   <p:cSld>
     <p:spTree>
@@ -9691,7 +10254,7 @@
           <p:cNvPr id="2" name="Slide Number Placeholder 1">
             <a:extLst>
               <a:ext uri="{FF2B5EF4-FFF2-40B4-BE49-F238E27FC236}">
-                <a16:creationId xmlns:a16="http://schemas.microsoft.com/office/drawing/2014/main" id="{B8D6A3D3-45DC-4A67-EA57-E1DA447EFEA0}"/>
+                <a16:creationId xmlns:a16="http://schemas.microsoft.com/office/drawing/2014/main" id="{9AAB276A-2616-4D61-7859-F1430A4DDB90}"/>
               </a:ext>
             </a:extLst>
           </p:cNvPr>
@@ -9710,96 +10273,7 @@
             <a:fld id="{7A304655-5D53-B746-8252-3F5A598C52D3}" type="slidenum">
               <a:rPr lang="en-CN" smtClean="0"/>
               <a:pPr/>
-              <a:t>2</a:t>
-            </a:fld>
-            <a:endParaRPr lang="en-CN"/>
-          </a:p>
-        </p:txBody>
-      </p:sp>
-      <p:sp>
-        <p:nvSpPr>
-          <p:cNvPr id="4" name="Title 3">
-            <a:extLst>
-              <a:ext uri="{FF2B5EF4-FFF2-40B4-BE49-F238E27FC236}">
-                <a16:creationId xmlns:a16="http://schemas.microsoft.com/office/drawing/2014/main" id="{11DC9AD8-7EE1-9698-0386-A48FFA8D8DC8}"/>
-              </a:ext>
-            </a:extLst>
-          </p:cNvPr>
-          <p:cNvSpPr>
-            <a:spLocks noGrp="1"/>
-          </p:cNvSpPr>
-          <p:nvPr>
-            <p:ph type="title"/>
-          </p:nvPr>
-        </p:nvSpPr>
-        <p:spPr/>
-        <p:txBody>
-          <a:bodyPr/>
-          <a:lstStyle/>
-          <a:p>
-            <a:r>
-              <a:rPr lang="en-US" altLang="zh-CN" dirty="0"/>
-              <a:t>Relax</a:t>
-            </a:r>
-            <a:endParaRPr lang="zh-CN" altLang="en-US" dirty="0"/>
-          </a:p>
-        </p:txBody>
-      </p:sp>
-    </p:spTree>
-    <p:extLst>
-      <p:ext uri="{BB962C8B-B14F-4D97-AF65-F5344CB8AC3E}">
-        <p14:creationId xmlns:p14="http://schemas.microsoft.com/office/powerpoint/2010/main" val="2514182792"/>
-      </p:ext>
-    </p:extLst>
-  </p:cSld>
-  <p:clrMapOvr>
-    <a:masterClrMapping/>
-  </p:clrMapOvr>
-</p:sld>
-</file>
-
-<file path=ppt/slides/slide20.xml><?xml version="1.0" encoding="utf-8"?>
-<p:sld xmlns:a="http://schemas.openxmlformats.org/drawingml/2006/main" xmlns:r="http://schemas.openxmlformats.org/officeDocument/2006/relationships" xmlns:p="http://schemas.openxmlformats.org/presentationml/2006/main">
-  <p:cSld>
-    <p:spTree>
-      <p:nvGrpSpPr>
-        <p:cNvPr id="1" name=""/>
-        <p:cNvGrpSpPr/>
-        <p:nvPr/>
-      </p:nvGrpSpPr>
-      <p:grpSpPr>
-        <a:xfrm>
-          <a:off x="0" y="0"/>
-          <a:ext cx="0" cy="0"/>
-          <a:chOff x="0" y="0"/>
-          <a:chExt cx="0" cy="0"/>
-        </a:xfrm>
-      </p:grpSpPr>
-      <p:sp>
-        <p:nvSpPr>
-          <p:cNvPr id="2" name="Slide Number Placeholder 1">
-            <a:extLst>
-              <a:ext uri="{FF2B5EF4-FFF2-40B4-BE49-F238E27FC236}">
-                <a16:creationId xmlns:a16="http://schemas.microsoft.com/office/drawing/2014/main" id="{9AAB276A-2616-4D61-7859-F1430A4DDB90}"/>
-              </a:ext>
-            </a:extLst>
-          </p:cNvPr>
-          <p:cNvSpPr>
-            <a:spLocks noGrp="1"/>
-          </p:cNvSpPr>
-          <p:nvPr>
-            <p:ph type="sldNum" sz="quarter" idx="12"/>
-          </p:nvPr>
-        </p:nvSpPr>
-        <p:spPr/>
-        <p:txBody>
-          <a:bodyPr/>
-          <a:lstStyle/>
-          <a:p>
-            <a:fld id="{7A304655-5D53-B746-8252-3F5A598C52D3}" type="slidenum">
-              <a:rPr lang="en-CN" smtClean="0"/>
-              <a:pPr/>
-              <a:t>20</a:t>
+              <a:t>21</a:t>
             </a:fld>
             <a:endParaRPr lang="en-CN"/>
           </a:p>
@@ -9936,7 +10410,7 @@
 </p:sld>
 </file>
 
-<file path=ppt/slides/slide21.xml><?xml version="1.0" encoding="utf-8"?>
+<file path=ppt/slides/slide22.xml><?xml version="1.0" encoding="utf-8"?>
 <p:sld xmlns:a="http://schemas.openxmlformats.org/drawingml/2006/main" xmlns:r="http://schemas.openxmlformats.org/officeDocument/2006/relationships" xmlns:p="http://schemas.openxmlformats.org/presentationml/2006/main">
   <p:cSld>
     <p:spTree>
@@ -9977,7 +10451,7 @@
             <a:fld id="{7A304655-5D53-B746-8252-3F5A598C52D3}" type="slidenum">
               <a:rPr lang="en-CN" smtClean="0"/>
               <a:pPr/>
-              <a:t>21</a:t>
+              <a:t>22</a:t>
             </a:fld>
             <a:endParaRPr lang="en-CN"/>
           </a:p>
@@ -10361,7 +10835,7 @@
 </p:sld>
 </file>
 
-<file path=ppt/slides/slide22.xml><?xml version="1.0" encoding="utf-8"?>
+<file path=ppt/slides/slide23.xml><?xml version="1.0" encoding="utf-8"?>
 <p:sld xmlns:a="http://schemas.openxmlformats.org/drawingml/2006/main" xmlns:r="http://schemas.openxmlformats.org/officeDocument/2006/relationships" xmlns:p="http://schemas.openxmlformats.org/presentationml/2006/main">
   <p:cSld>
     <p:spTree>
@@ -10402,7 +10876,7 @@
             <a:fld id="{7A304655-5D53-B746-8252-3F5A598C52D3}" type="slidenum">
               <a:rPr lang="en-CN" smtClean="0"/>
               <a:pPr/>
-              <a:t>22</a:t>
+              <a:t>23</a:t>
             </a:fld>
             <a:endParaRPr lang="en-CN"/>
           </a:p>
@@ -11314,7 +11788,7 @@
 </p:sld>
 </file>
 
-<file path=ppt/slides/slide23.xml><?xml version="1.0" encoding="utf-8"?>
+<file path=ppt/slides/slide24.xml><?xml version="1.0" encoding="utf-8"?>
 <p:sld xmlns:a="http://schemas.openxmlformats.org/drawingml/2006/main" xmlns:r="http://schemas.openxmlformats.org/officeDocument/2006/relationships" xmlns:p="http://schemas.openxmlformats.org/presentationml/2006/main">
   <p:cSld>
     <p:spTree>
@@ -11355,7 +11829,7 @@
             <a:fld id="{7A304655-5D53-B746-8252-3F5A598C52D3}" type="slidenum">
               <a:rPr lang="en-CN" smtClean="0"/>
               <a:pPr/>
-              <a:t>23</a:t>
+              <a:t>24</a:t>
             </a:fld>
             <a:endParaRPr lang="en-CN" dirty="0"/>
           </a:p>
@@ -11860,98 +12334,6 @@
 </p:sld>
 </file>
 
-<file path=ppt/slides/slide24.xml><?xml version="1.0" encoding="utf-8"?>
-<p:sld xmlns:a="http://schemas.openxmlformats.org/drawingml/2006/main" xmlns:r="http://schemas.openxmlformats.org/officeDocument/2006/relationships" xmlns:p="http://schemas.openxmlformats.org/presentationml/2006/main">
-  <p:cSld>
-    <p:spTree>
-      <p:nvGrpSpPr>
-        <p:cNvPr id="1" name=""/>
-        <p:cNvGrpSpPr/>
-        <p:nvPr/>
-      </p:nvGrpSpPr>
-      <p:grpSpPr>
-        <a:xfrm>
-          <a:off x="0" y="0"/>
-          <a:ext cx="0" cy="0"/>
-          <a:chOff x="0" y="0"/>
-          <a:chExt cx="0" cy="0"/>
-        </a:xfrm>
-      </p:grpSpPr>
-      <p:sp>
-        <p:nvSpPr>
-          <p:cNvPr id="2" name="Slide Number Placeholder 1">
-            <a:extLst>
-              <a:ext uri="{FF2B5EF4-FFF2-40B4-BE49-F238E27FC236}">
-                <a16:creationId xmlns:a16="http://schemas.microsoft.com/office/drawing/2014/main" id="{0EBFBC13-1F53-EC2F-4E16-2A18D4A84403}"/>
-              </a:ext>
-            </a:extLst>
-          </p:cNvPr>
-          <p:cNvSpPr>
-            <a:spLocks noGrp="1"/>
-          </p:cNvSpPr>
-          <p:nvPr>
-            <p:ph type="sldNum" sz="quarter" idx="12"/>
-          </p:nvPr>
-        </p:nvSpPr>
-        <p:spPr/>
-        <p:txBody>
-          <a:bodyPr/>
-          <a:lstStyle/>
-          <a:p>
-            <a:fld id="{7A304655-5D53-B746-8252-3F5A598C52D3}" type="slidenum">
-              <a:rPr lang="en-CN" smtClean="0"/>
-              <a:pPr/>
-              <a:t>24</a:t>
-            </a:fld>
-            <a:endParaRPr lang="en-CN"/>
-          </a:p>
-        </p:txBody>
-      </p:sp>
-      <p:sp>
-        <p:nvSpPr>
-          <p:cNvPr id="4" name="Title 3">
-            <a:extLst>
-              <a:ext uri="{FF2B5EF4-FFF2-40B4-BE49-F238E27FC236}">
-                <a16:creationId xmlns:a16="http://schemas.microsoft.com/office/drawing/2014/main" id="{0F81809F-1388-5653-E903-ACAF3715D379}"/>
-              </a:ext>
-            </a:extLst>
-          </p:cNvPr>
-          <p:cNvSpPr>
-            <a:spLocks noGrp="1"/>
-          </p:cNvSpPr>
-          <p:nvPr>
-            <p:ph type="title"/>
-          </p:nvPr>
-        </p:nvSpPr>
-        <p:spPr/>
-        <p:txBody>
-          <a:bodyPr/>
-          <a:lstStyle/>
-          <a:p>
-            <a:r>
-              <a:rPr lang="en-US" altLang="zh-CN" dirty="0"/>
-              <a:t>Bellman</a:t>
-            </a:r>
-            <a:r>
-              <a:rPr lang="zh-CN" altLang="en-US" dirty="0"/>
-              <a:t>的动态规划方法</a:t>
-            </a:r>
-          </a:p>
-        </p:txBody>
-      </p:sp>
-    </p:spTree>
-    <p:extLst>
-      <p:ext uri="{BB962C8B-B14F-4D97-AF65-F5344CB8AC3E}">
-        <p14:creationId xmlns:p14="http://schemas.microsoft.com/office/powerpoint/2010/main" val="2465033799"/>
-      </p:ext>
-    </p:extLst>
-  </p:cSld>
-  <p:clrMapOvr>
-    <a:masterClrMapping/>
-  </p:clrMapOvr>
-</p:sld>
-</file>
-
 <file path=ppt/slides/slide25.xml><?xml version="1.0" encoding="utf-8"?>
 <p:sld xmlns:a="http://schemas.openxmlformats.org/drawingml/2006/main" xmlns:r="http://schemas.openxmlformats.org/officeDocument/2006/relationships" xmlns:p="http://schemas.openxmlformats.org/presentationml/2006/main">
   <p:cSld>
@@ -11974,7 +12356,7 @@
           <p:cNvPr id="2" name="Slide Number Placeholder 1">
             <a:extLst>
               <a:ext uri="{FF2B5EF4-FFF2-40B4-BE49-F238E27FC236}">
-                <a16:creationId xmlns:a16="http://schemas.microsoft.com/office/drawing/2014/main" id="{5C3B8657-88F4-7CC8-030A-A2B4286C73DB}"/>
+                <a16:creationId xmlns:a16="http://schemas.microsoft.com/office/drawing/2014/main" id="{0EBFBC13-1F53-EC2F-4E16-2A18D4A84403}"/>
               </a:ext>
             </a:extLst>
           </p:cNvPr>
@@ -11994,6 +12376,98 @@
               <a:rPr lang="en-CN" smtClean="0"/>
               <a:pPr/>
               <a:t>25</a:t>
+            </a:fld>
+            <a:endParaRPr lang="en-CN"/>
+          </a:p>
+        </p:txBody>
+      </p:sp>
+      <p:sp>
+        <p:nvSpPr>
+          <p:cNvPr id="4" name="Title 3">
+            <a:extLst>
+              <a:ext uri="{FF2B5EF4-FFF2-40B4-BE49-F238E27FC236}">
+                <a16:creationId xmlns:a16="http://schemas.microsoft.com/office/drawing/2014/main" id="{0F81809F-1388-5653-E903-ACAF3715D379}"/>
+              </a:ext>
+            </a:extLst>
+          </p:cNvPr>
+          <p:cNvSpPr>
+            <a:spLocks noGrp="1"/>
+          </p:cNvSpPr>
+          <p:nvPr>
+            <p:ph type="title"/>
+          </p:nvPr>
+        </p:nvSpPr>
+        <p:spPr/>
+        <p:txBody>
+          <a:bodyPr/>
+          <a:lstStyle/>
+          <a:p>
+            <a:r>
+              <a:rPr lang="en-US" altLang="zh-CN" dirty="0"/>
+              <a:t>Bellman</a:t>
+            </a:r>
+            <a:r>
+              <a:rPr lang="zh-CN" altLang="en-US" dirty="0"/>
+              <a:t>的动态规划方法</a:t>
+            </a:r>
+          </a:p>
+        </p:txBody>
+      </p:sp>
+    </p:spTree>
+    <p:extLst>
+      <p:ext uri="{BB962C8B-B14F-4D97-AF65-F5344CB8AC3E}">
+        <p14:creationId xmlns:p14="http://schemas.microsoft.com/office/powerpoint/2010/main" val="2465033799"/>
+      </p:ext>
+    </p:extLst>
+  </p:cSld>
+  <p:clrMapOvr>
+    <a:masterClrMapping/>
+  </p:clrMapOvr>
+</p:sld>
+</file>
+
+<file path=ppt/slides/slide26.xml><?xml version="1.0" encoding="utf-8"?>
+<p:sld xmlns:a="http://schemas.openxmlformats.org/drawingml/2006/main" xmlns:r="http://schemas.openxmlformats.org/officeDocument/2006/relationships" xmlns:p="http://schemas.openxmlformats.org/presentationml/2006/main">
+  <p:cSld>
+    <p:spTree>
+      <p:nvGrpSpPr>
+        <p:cNvPr id="1" name=""/>
+        <p:cNvGrpSpPr/>
+        <p:nvPr/>
+      </p:nvGrpSpPr>
+      <p:grpSpPr>
+        <a:xfrm>
+          <a:off x="0" y="0"/>
+          <a:ext cx="0" cy="0"/>
+          <a:chOff x="0" y="0"/>
+          <a:chExt cx="0" cy="0"/>
+        </a:xfrm>
+      </p:grpSpPr>
+      <p:sp>
+        <p:nvSpPr>
+          <p:cNvPr id="2" name="Slide Number Placeholder 1">
+            <a:extLst>
+              <a:ext uri="{FF2B5EF4-FFF2-40B4-BE49-F238E27FC236}">
+                <a16:creationId xmlns:a16="http://schemas.microsoft.com/office/drawing/2014/main" id="{5C3B8657-88F4-7CC8-030A-A2B4286C73DB}"/>
+              </a:ext>
+            </a:extLst>
+          </p:cNvPr>
+          <p:cNvSpPr>
+            <a:spLocks noGrp="1"/>
+          </p:cNvSpPr>
+          <p:nvPr>
+            <p:ph type="sldNum" sz="quarter" idx="12"/>
+          </p:nvPr>
+        </p:nvSpPr>
+        <p:spPr/>
+        <p:txBody>
+          <a:bodyPr/>
+          <a:lstStyle/>
+          <a:p>
+            <a:fld id="{7A304655-5D53-B746-8252-3F5A598C52D3}" type="slidenum">
+              <a:rPr lang="en-CN" smtClean="0"/>
+              <a:pPr/>
+              <a:t>26</a:t>
             </a:fld>
             <a:endParaRPr lang="en-CN"/>
           </a:p>
@@ -12368,7 +12842,7 @@
 </p:sld>
 </file>
 
-<file path=ppt/slides/slide26.xml><?xml version="1.0" encoding="utf-8"?>
+<file path=ppt/slides/slide27.xml><?xml version="1.0" encoding="utf-8"?>
 <p:sld xmlns:a="http://schemas.openxmlformats.org/drawingml/2006/main" xmlns:r="http://schemas.openxmlformats.org/officeDocument/2006/relationships" xmlns:p="http://schemas.openxmlformats.org/presentationml/2006/main">
   <p:cSld>
     <p:spTree>
@@ -12409,7 +12883,7 @@
             <a:fld id="{7A304655-5D53-B746-8252-3F5A598C52D3}" type="slidenum">
               <a:rPr lang="en-CN" smtClean="0"/>
               <a:pPr/>
-              <a:t>26</a:t>
+              <a:t>27</a:t>
             </a:fld>
             <a:endParaRPr lang="en-CN"/>
           </a:p>
@@ -12794,120 +13268,6 @@
 </p:sld>
 </file>
 
-<file path=ppt/slides/slide27.xml><?xml version="1.0" encoding="utf-8"?>
-<p:sld xmlns:a="http://schemas.openxmlformats.org/drawingml/2006/main" xmlns:r="http://schemas.openxmlformats.org/officeDocument/2006/relationships" xmlns:p="http://schemas.openxmlformats.org/presentationml/2006/main">
-  <p:cSld>
-    <p:spTree>
-      <p:nvGrpSpPr>
-        <p:cNvPr id="1" name=""/>
-        <p:cNvGrpSpPr/>
-        <p:nvPr/>
-      </p:nvGrpSpPr>
-      <p:grpSpPr>
-        <a:xfrm>
-          <a:off x="0" y="0"/>
-          <a:ext cx="0" cy="0"/>
-          <a:chOff x="0" y="0"/>
-          <a:chExt cx="0" cy="0"/>
-        </a:xfrm>
-      </p:grpSpPr>
-      <p:sp>
-        <p:nvSpPr>
-          <p:cNvPr id="2" name="Slide Number Placeholder 1">
-            <a:extLst>
-              <a:ext uri="{FF2B5EF4-FFF2-40B4-BE49-F238E27FC236}">
-                <a16:creationId xmlns:a16="http://schemas.microsoft.com/office/drawing/2014/main" id="{0B9F6263-8E85-26A8-06F1-45A337A001A7}"/>
-              </a:ext>
-            </a:extLst>
-          </p:cNvPr>
-          <p:cNvSpPr>
-            <a:spLocks noGrp="1"/>
-          </p:cNvSpPr>
-          <p:nvPr>
-            <p:ph type="sldNum" sz="quarter" idx="12"/>
-          </p:nvPr>
-        </p:nvSpPr>
-        <p:spPr/>
-        <p:txBody>
-          <a:bodyPr/>
-          <a:lstStyle/>
-          <a:p>
-            <a:fld id="{7A304655-5D53-B746-8252-3F5A598C52D3}" type="slidenum">
-              <a:rPr lang="en-CN" smtClean="0"/>
-              <a:pPr/>
-              <a:t>27</a:t>
-            </a:fld>
-            <a:endParaRPr lang="en-CN"/>
-          </a:p>
-        </p:txBody>
-      </p:sp>
-      <p:sp>
-        <p:nvSpPr>
-          <p:cNvPr id="4" name="Title 3">
-            <a:extLst>
-              <a:ext uri="{FF2B5EF4-FFF2-40B4-BE49-F238E27FC236}">
-                <a16:creationId xmlns:a16="http://schemas.microsoft.com/office/drawing/2014/main" id="{F30EAE32-2530-5207-1C62-ADDD9F0AF336}"/>
-              </a:ext>
-            </a:extLst>
-          </p:cNvPr>
-          <p:cNvSpPr>
-            <a:spLocks noGrp="1"/>
-          </p:cNvSpPr>
-          <p:nvPr>
-            <p:ph type="title"/>
-          </p:nvPr>
-        </p:nvSpPr>
-        <p:spPr/>
-        <p:txBody>
-          <a:bodyPr>
-            <a:normAutofit/>
-          </a:bodyPr>
-          <a:lstStyle/>
-          <a:p>
-            <a:r>
-              <a:rPr lang="en-US" altLang="zh-CN" sz="1600" dirty="0"/>
-              <a:t>Kleene-Roy</a:t>
-            </a:r>
-            <a:r>
-              <a:rPr lang="en-US" altLang="zh-CN" sz="1800" dirty="0"/>
-              <a:t>-</a:t>
-            </a:r>
-            <a:r>
-              <a:rPr lang="en-US" altLang="zh-CN" dirty="0"/>
-              <a:t>Floyd-</a:t>
-            </a:r>
-            <a:r>
-              <a:rPr lang="en-US" altLang="zh-CN" dirty="0" err="1"/>
-              <a:t>Warshall</a:t>
-            </a:r>
-            <a:r>
-              <a:rPr lang="en-US" altLang="zh-CN" sz="1600" dirty="0"/>
-              <a:t>-</a:t>
-            </a:r>
-            <a:r>
-              <a:rPr lang="en-US" altLang="zh-CN" sz="1600" dirty="0" err="1"/>
-              <a:t>Ingerman</a:t>
-            </a:r>
-            <a:r>
-              <a:rPr lang="zh-CN" altLang="en-US" dirty="0"/>
-              <a:t>算法</a:t>
-            </a:r>
-          </a:p>
-        </p:txBody>
-      </p:sp>
-    </p:spTree>
-    <p:extLst>
-      <p:ext uri="{BB962C8B-B14F-4D97-AF65-F5344CB8AC3E}">
-        <p14:creationId xmlns:p14="http://schemas.microsoft.com/office/powerpoint/2010/main" val="278522015"/>
-      </p:ext>
-    </p:extLst>
-  </p:cSld>
-  <p:clrMapOvr>
-    <a:masterClrMapping/>
-  </p:clrMapOvr>
-</p:sld>
-</file>
-
 <file path=ppt/slides/slide28.xml><?xml version="1.0" encoding="utf-8"?>
 <p:sld xmlns:a="http://schemas.openxmlformats.org/drawingml/2006/main" xmlns:r="http://schemas.openxmlformats.org/officeDocument/2006/relationships" xmlns:p="http://schemas.openxmlformats.org/presentationml/2006/main">
   <p:cSld>
@@ -12930,7 +13290,7 @@
           <p:cNvPr id="2" name="Slide Number Placeholder 1">
             <a:extLst>
               <a:ext uri="{FF2B5EF4-FFF2-40B4-BE49-F238E27FC236}">
-                <a16:creationId xmlns:a16="http://schemas.microsoft.com/office/drawing/2014/main" id="{10A415DA-F6EB-E9E7-6887-9052D85B3E3C}"/>
+                <a16:creationId xmlns:a16="http://schemas.microsoft.com/office/drawing/2014/main" id="{0B9F6263-8E85-26A8-06F1-45A337A001A7}"/>
               </a:ext>
             </a:extLst>
           </p:cNvPr>
@@ -12950,6 +13310,120 @@
               <a:rPr lang="en-CN" smtClean="0"/>
               <a:pPr/>
               <a:t>28</a:t>
+            </a:fld>
+            <a:endParaRPr lang="en-CN"/>
+          </a:p>
+        </p:txBody>
+      </p:sp>
+      <p:sp>
+        <p:nvSpPr>
+          <p:cNvPr id="4" name="Title 3">
+            <a:extLst>
+              <a:ext uri="{FF2B5EF4-FFF2-40B4-BE49-F238E27FC236}">
+                <a16:creationId xmlns:a16="http://schemas.microsoft.com/office/drawing/2014/main" id="{F30EAE32-2530-5207-1C62-ADDD9F0AF336}"/>
+              </a:ext>
+            </a:extLst>
+          </p:cNvPr>
+          <p:cNvSpPr>
+            <a:spLocks noGrp="1"/>
+          </p:cNvSpPr>
+          <p:nvPr>
+            <p:ph type="title"/>
+          </p:nvPr>
+        </p:nvSpPr>
+        <p:spPr/>
+        <p:txBody>
+          <a:bodyPr>
+            <a:normAutofit/>
+          </a:bodyPr>
+          <a:lstStyle/>
+          <a:p>
+            <a:r>
+              <a:rPr lang="en-US" altLang="zh-CN" sz="1600" dirty="0"/>
+              <a:t>Kleene-Roy</a:t>
+            </a:r>
+            <a:r>
+              <a:rPr lang="en-US" altLang="zh-CN" sz="1800" dirty="0"/>
+              <a:t>-</a:t>
+            </a:r>
+            <a:r>
+              <a:rPr lang="en-US" altLang="zh-CN" dirty="0"/>
+              <a:t>Floyd-</a:t>
+            </a:r>
+            <a:r>
+              <a:rPr lang="en-US" altLang="zh-CN" dirty="0" err="1"/>
+              <a:t>Warshall</a:t>
+            </a:r>
+            <a:r>
+              <a:rPr lang="en-US" altLang="zh-CN" sz="1600" dirty="0"/>
+              <a:t>-</a:t>
+            </a:r>
+            <a:r>
+              <a:rPr lang="en-US" altLang="zh-CN" sz="1600" dirty="0" err="1"/>
+              <a:t>Ingerman</a:t>
+            </a:r>
+            <a:r>
+              <a:rPr lang="zh-CN" altLang="en-US" dirty="0"/>
+              <a:t>算法</a:t>
+            </a:r>
+          </a:p>
+        </p:txBody>
+      </p:sp>
+    </p:spTree>
+    <p:extLst>
+      <p:ext uri="{BB962C8B-B14F-4D97-AF65-F5344CB8AC3E}">
+        <p14:creationId xmlns:p14="http://schemas.microsoft.com/office/powerpoint/2010/main" val="278522015"/>
+      </p:ext>
+    </p:extLst>
+  </p:cSld>
+  <p:clrMapOvr>
+    <a:masterClrMapping/>
+  </p:clrMapOvr>
+</p:sld>
+</file>
+
+<file path=ppt/slides/slide29.xml><?xml version="1.0" encoding="utf-8"?>
+<p:sld xmlns:a="http://schemas.openxmlformats.org/drawingml/2006/main" xmlns:r="http://schemas.openxmlformats.org/officeDocument/2006/relationships" xmlns:p="http://schemas.openxmlformats.org/presentationml/2006/main">
+  <p:cSld>
+    <p:spTree>
+      <p:nvGrpSpPr>
+        <p:cNvPr id="1" name=""/>
+        <p:cNvGrpSpPr/>
+        <p:nvPr/>
+      </p:nvGrpSpPr>
+      <p:grpSpPr>
+        <a:xfrm>
+          <a:off x="0" y="0"/>
+          <a:ext cx="0" cy="0"/>
+          <a:chOff x="0" y="0"/>
+          <a:chExt cx="0" cy="0"/>
+        </a:xfrm>
+      </p:grpSpPr>
+      <p:sp>
+        <p:nvSpPr>
+          <p:cNvPr id="2" name="Slide Number Placeholder 1">
+            <a:extLst>
+              <a:ext uri="{FF2B5EF4-FFF2-40B4-BE49-F238E27FC236}">
+                <a16:creationId xmlns:a16="http://schemas.microsoft.com/office/drawing/2014/main" id="{10A415DA-F6EB-E9E7-6887-9052D85B3E3C}"/>
+              </a:ext>
+            </a:extLst>
+          </p:cNvPr>
+          <p:cNvSpPr>
+            <a:spLocks noGrp="1"/>
+          </p:cNvSpPr>
+          <p:nvPr>
+            <p:ph type="sldNum" sz="quarter" idx="12"/>
+          </p:nvPr>
+        </p:nvSpPr>
+        <p:spPr/>
+        <p:txBody>
+          <a:bodyPr/>
+          <a:lstStyle/>
+          <a:p>
+            <a:fld id="{7A304655-5D53-B746-8252-3F5A598C52D3}" type="slidenum">
+              <a:rPr lang="en-CN" smtClean="0"/>
+              <a:pPr/>
+              <a:t>29</a:t>
             </a:fld>
             <a:endParaRPr lang="en-CN"/>
           </a:p>
@@ -13219,184 +13693,6 @@
 </p:sld>
 </file>
 
-<file path=ppt/slides/slide29.xml><?xml version="1.0" encoding="utf-8"?>
-<p:sld xmlns:a="http://schemas.openxmlformats.org/drawingml/2006/main" xmlns:r="http://schemas.openxmlformats.org/officeDocument/2006/relationships" xmlns:p="http://schemas.openxmlformats.org/presentationml/2006/main">
-  <p:cSld>
-    <p:spTree>
-      <p:nvGrpSpPr>
-        <p:cNvPr id="1" name=""/>
-        <p:cNvGrpSpPr/>
-        <p:nvPr/>
-      </p:nvGrpSpPr>
-      <p:grpSpPr>
-        <a:xfrm>
-          <a:off x="0" y="0"/>
-          <a:ext cx="0" cy="0"/>
-          <a:chOff x="0" y="0"/>
-          <a:chExt cx="0" cy="0"/>
-        </a:xfrm>
-      </p:grpSpPr>
-      <p:sp>
-        <p:nvSpPr>
-          <p:cNvPr id="2" name="Slide Number Placeholder 1">
-            <a:extLst>
-              <a:ext uri="{FF2B5EF4-FFF2-40B4-BE49-F238E27FC236}">
-                <a16:creationId xmlns:a16="http://schemas.microsoft.com/office/drawing/2014/main" id="{C92F5A7A-9B5E-59AC-F100-FD9CF6891E7B}"/>
-              </a:ext>
-            </a:extLst>
-          </p:cNvPr>
-          <p:cNvSpPr>
-            <a:spLocks noGrp="1"/>
-          </p:cNvSpPr>
-          <p:nvPr>
-            <p:ph type="sldNum" sz="quarter" idx="12"/>
-          </p:nvPr>
-        </p:nvSpPr>
-        <p:spPr/>
-        <p:txBody>
-          <a:bodyPr/>
-          <a:lstStyle/>
-          <a:p>
-            <a:fld id="{7A304655-5D53-B746-8252-3F5A598C52D3}" type="slidenum">
-              <a:rPr lang="en-CN" smtClean="0"/>
-              <a:pPr/>
-              <a:t>29</a:t>
-            </a:fld>
-            <a:endParaRPr lang="en-CN"/>
-          </a:p>
-        </p:txBody>
-      </p:sp>
-      <p:sp>
-        <p:nvSpPr>
-          <p:cNvPr id="3" name="Title 2">
-            <a:extLst>
-              <a:ext uri="{FF2B5EF4-FFF2-40B4-BE49-F238E27FC236}">
-                <a16:creationId xmlns:a16="http://schemas.microsoft.com/office/drawing/2014/main" id="{3933323F-0858-29F9-FE25-AD300935A10E}"/>
-              </a:ext>
-            </a:extLst>
-          </p:cNvPr>
-          <p:cNvSpPr>
-            <a:spLocks noGrp="1"/>
-          </p:cNvSpPr>
-          <p:nvPr>
-            <p:ph type="title"/>
-          </p:nvPr>
-        </p:nvSpPr>
-        <p:spPr/>
-        <p:txBody>
-          <a:bodyPr/>
-          <a:lstStyle/>
-          <a:p>
-            <a:r>
-              <a:rPr kumimoji="1" lang="zh-CN" altLang="en-US" dirty="0"/>
-              <a:t>这样定义的最优子结构</a:t>
-            </a:r>
-          </a:p>
-        </p:txBody>
-      </p:sp>
-      <p:pic>
-        <p:nvPicPr>
-          <p:cNvPr id="4" name="Picture 3">
-            <a:extLst>
-              <a:ext uri="{FF2B5EF4-FFF2-40B4-BE49-F238E27FC236}">
-                <a16:creationId xmlns:a16="http://schemas.microsoft.com/office/drawing/2014/main" id="{2B7CAC61-59AA-A0B3-34CD-C49D7477C63F}"/>
-              </a:ext>
-            </a:extLst>
-          </p:cNvPr>
-          <p:cNvPicPr>
-            <a:picLocks noChangeAspect="1"/>
-          </p:cNvPicPr>
-          <p:nvPr/>
-        </p:nvPicPr>
-        <p:blipFill>
-          <a:blip r:embed="rId2"/>
-          <a:stretch>
-            <a:fillRect/>
-          </a:stretch>
-        </p:blipFill>
-        <p:spPr>
-          <a:xfrm>
-            <a:off x="914400" y="1219200"/>
-            <a:ext cx="5816600" cy="1955800"/>
-          </a:xfrm>
-          <a:prstGeom prst="rect">
-            <a:avLst/>
-          </a:prstGeom>
-        </p:spPr>
-      </p:pic>
-      <p:pic>
-        <p:nvPicPr>
-          <p:cNvPr id="5" name="Picture 4">
-            <a:extLst>
-              <a:ext uri="{FF2B5EF4-FFF2-40B4-BE49-F238E27FC236}">
-                <a16:creationId xmlns:a16="http://schemas.microsoft.com/office/drawing/2014/main" id="{CAC93475-9A3C-6DEB-FD28-7583F882C33E}"/>
-              </a:ext>
-            </a:extLst>
-          </p:cNvPr>
-          <p:cNvPicPr>
-            <a:picLocks noChangeAspect="1"/>
-          </p:cNvPicPr>
-          <p:nvPr/>
-        </p:nvPicPr>
-        <p:blipFill>
-          <a:blip r:embed="rId3"/>
-          <a:stretch>
-            <a:fillRect/>
-          </a:stretch>
-        </p:blipFill>
-        <p:spPr>
-          <a:xfrm>
-            <a:off x="762000" y="3162301"/>
-            <a:ext cx="5969000" cy="1041400"/>
-          </a:xfrm>
-          <a:prstGeom prst="rect">
-            <a:avLst/>
-          </a:prstGeom>
-        </p:spPr>
-      </p:pic>
-      <p:pic>
-        <p:nvPicPr>
-          <p:cNvPr id="6" name="Picture 5">
-            <a:extLst>
-              <a:ext uri="{FF2B5EF4-FFF2-40B4-BE49-F238E27FC236}">
-                <a16:creationId xmlns:a16="http://schemas.microsoft.com/office/drawing/2014/main" id="{ED20FC0B-B16C-E11B-9B3F-E270EC30CD83}"/>
-              </a:ext>
-            </a:extLst>
-          </p:cNvPr>
-          <p:cNvPicPr>
-            <a:picLocks noChangeAspect="1"/>
-          </p:cNvPicPr>
-          <p:nvPr/>
-        </p:nvPicPr>
-        <p:blipFill>
-          <a:blip r:embed="rId4"/>
-          <a:stretch>
-            <a:fillRect/>
-          </a:stretch>
-        </p:blipFill>
-        <p:spPr>
-          <a:xfrm>
-            <a:off x="914400" y="4699876"/>
-            <a:ext cx="5080000" cy="965200"/>
-          </a:xfrm>
-          <a:prstGeom prst="rect">
-            <a:avLst/>
-          </a:prstGeom>
-        </p:spPr>
-      </p:pic>
-    </p:spTree>
-    <p:extLst>
-      <p:ext uri="{BB962C8B-B14F-4D97-AF65-F5344CB8AC3E}">
-        <p14:creationId xmlns:p14="http://schemas.microsoft.com/office/powerpoint/2010/main" val="1321406090"/>
-      </p:ext>
-    </p:extLst>
-  </p:cSld>
-  <p:clrMapOvr>
-    <a:masterClrMapping/>
-  </p:clrMapOvr>
-</p:sld>
-</file>
-
 <file path=ppt/slides/slide3.xml><?xml version="1.0" encoding="utf-8"?>
 <p:sld xmlns:a="http://schemas.openxmlformats.org/drawingml/2006/main" xmlns:r="http://schemas.openxmlformats.org/officeDocument/2006/relationships" xmlns:p="http://schemas.openxmlformats.org/presentationml/2006/main">
   <p:cSld>
@@ -13857,7 +14153,7 @@
           <p:cNvPr id="2" name="Slide Number Placeholder 1">
             <a:extLst>
               <a:ext uri="{FF2B5EF4-FFF2-40B4-BE49-F238E27FC236}">
-                <a16:creationId xmlns:a16="http://schemas.microsoft.com/office/drawing/2014/main" id="{F193B3F2-6C22-36C5-BD71-D8D1BD48D77C}"/>
+                <a16:creationId xmlns:a16="http://schemas.microsoft.com/office/drawing/2014/main" id="{C92F5A7A-9B5E-59AC-F100-FD9CF6891E7B}"/>
               </a:ext>
             </a:extLst>
           </p:cNvPr>
@@ -13877,6 +14173,184 @@
               <a:rPr lang="en-CN" smtClean="0"/>
               <a:pPr/>
               <a:t>30</a:t>
+            </a:fld>
+            <a:endParaRPr lang="en-CN"/>
+          </a:p>
+        </p:txBody>
+      </p:sp>
+      <p:sp>
+        <p:nvSpPr>
+          <p:cNvPr id="3" name="Title 2">
+            <a:extLst>
+              <a:ext uri="{FF2B5EF4-FFF2-40B4-BE49-F238E27FC236}">
+                <a16:creationId xmlns:a16="http://schemas.microsoft.com/office/drawing/2014/main" id="{3933323F-0858-29F9-FE25-AD300935A10E}"/>
+              </a:ext>
+            </a:extLst>
+          </p:cNvPr>
+          <p:cNvSpPr>
+            <a:spLocks noGrp="1"/>
+          </p:cNvSpPr>
+          <p:nvPr>
+            <p:ph type="title"/>
+          </p:nvPr>
+        </p:nvSpPr>
+        <p:spPr/>
+        <p:txBody>
+          <a:bodyPr/>
+          <a:lstStyle/>
+          <a:p>
+            <a:r>
+              <a:rPr kumimoji="1" lang="zh-CN" altLang="en-US" dirty="0"/>
+              <a:t>这样定义的最优子结构</a:t>
+            </a:r>
+          </a:p>
+        </p:txBody>
+      </p:sp>
+      <p:pic>
+        <p:nvPicPr>
+          <p:cNvPr id="4" name="Picture 3">
+            <a:extLst>
+              <a:ext uri="{FF2B5EF4-FFF2-40B4-BE49-F238E27FC236}">
+                <a16:creationId xmlns:a16="http://schemas.microsoft.com/office/drawing/2014/main" id="{2B7CAC61-59AA-A0B3-34CD-C49D7477C63F}"/>
+              </a:ext>
+            </a:extLst>
+          </p:cNvPr>
+          <p:cNvPicPr>
+            <a:picLocks noChangeAspect="1"/>
+          </p:cNvPicPr>
+          <p:nvPr/>
+        </p:nvPicPr>
+        <p:blipFill>
+          <a:blip r:embed="rId2"/>
+          <a:stretch>
+            <a:fillRect/>
+          </a:stretch>
+        </p:blipFill>
+        <p:spPr>
+          <a:xfrm>
+            <a:off x="914400" y="1219200"/>
+            <a:ext cx="5816600" cy="1955800"/>
+          </a:xfrm>
+          <a:prstGeom prst="rect">
+            <a:avLst/>
+          </a:prstGeom>
+        </p:spPr>
+      </p:pic>
+      <p:pic>
+        <p:nvPicPr>
+          <p:cNvPr id="5" name="Picture 4">
+            <a:extLst>
+              <a:ext uri="{FF2B5EF4-FFF2-40B4-BE49-F238E27FC236}">
+                <a16:creationId xmlns:a16="http://schemas.microsoft.com/office/drawing/2014/main" id="{CAC93475-9A3C-6DEB-FD28-7583F882C33E}"/>
+              </a:ext>
+            </a:extLst>
+          </p:cNvPr>
+          <p:cNvPicPr>
+            <a:picLocks noChangeAspect="1"/>
+          </p:cNvPicPr>
+          <p:nvPr/>
+        </p:nvPicPr>
+        <p:blipFill>
+          <a:blip r:embed="rId3"/>
+          <a:stretch>
+            <a:fillRect/>
+          </a:stretch>
+        </p:blipFill>
+        <p:spPr>
+          <a:xfrm>
+            <a:off x="762000" y="3162301"/>
+            <a:ext cx="5969000" cy="1041400"/>
+          </a:xfrm>
+          <a:prstGeom prst="rect">
+            <a:avLst/>
+          </a:prstGeom>
+        </p:spPr>
+      </p:pic>
+      <p:pic>
+        <p:nvPicPr>
+          <p:cNvPr id="6" name="Picture 5">
+            <a:extLst>
+              <a:ext uri="{FF2B5EF4-FFF2-40B4-BE49-F238E27FC236}">
+                <a16:creationId xmlns:a16="http://schemas.microsoft.com/office/drawing/2014/main" id="{ED20FC0B-B16C-E11B-9B3F-E270EC30CD83}"/>
+              </a:ext>
+            </a:extLst>
+          </p:cNvPr>
+          <p:cNvPicPr>
+            <a:picLocks noChangeAspect="1"/>
+          </p:cNvPicPr>
+          <p:nvPr/>
+        </p:nvPicPr>
+        <p:blipFill>
+          <a:blip r:embed="rId4"/>
+          <a:stretch>
+            <a:fillRect/>
+          </a:stretch>
+        </p:blipFill>
+        <p:spPr>
+          <a:xfrm>
+            <a:off x="914400" y="4699876"/>
+            <a:ext cx="5080000" cy="965200"/>
+          </a:xfrm>
+          <a:prstGeom prst="rect">
+            <a:avLst/>
+          </a:prstGeom>
+        </p:spPr>
+      </p:pic>
+    </p:spTree>
+    <p:extLst>
+      <p:ext uri="{BB962C8B-B14F-4D97-AF65-F5344CB8AC3E}">
+        <p14:creationId xmlns:p14="http://schemas.microsoft.com/office/powerpoint/2010/main" val="1321406090"/>
+      </p:ext>
+    </p:extLst>
+  </p:cSld>
+  <p:clrMapOvr>
+    <a:masterClrMapping/>
+  </p:clrMapOvr>
+</p:sld>
+</file>
+
+<file path=ppt/slides/slide31.xml><?xml version="1.0" encoding="utf-8"?>
+<p:sld xmlns:a="http://schemas.openxmlformats.org/drawingml/2006/main" xmlns:r="http://schemas.openxmlformats.org/officeDocument/2006/relationships" xmlns:p="http://schemas.openxmlformats.org/presentationml/2006/main">
+  <p:cSld>
+    <p:spTree>
+      <p:nvGrpSpPr>
+        <p:cNvPr id="1" name=""/>
+        <p:cNvGrpSpPr/>
+        <p:nvPr/>
+      </p:nvGrpSpPr>
+      <p:grpSpPr>
+        <a:xfrm>
+          <a:off x="0" y="0"/>
+          <a:ext cx="0" cy="0"/>
+          <a:chOff x="0" y="0"/>
+          <a:chExt cx="0" cy="0"/>
+        </a:xfrm>
+      </p:grpSpPr>
+      <p:sp>
+        <p:nvSpPr>
+          <p:cNvPr id="2" name="Slide Number Placeholder 1">
+            <a:extLst>
+              <a:ext uri="{FF2B5EF4-FFF2-40B4-BE49-F238E27FC236}">
+                <a16:creationId xmlns:a16="http://schemas.microsoft.com/office/drawing/2014/main" id="{F193B3F2-6C22-36C5-BD71-D8D1BD48D77C}"/>
+              </a:ext>
+            </a:extLst>
+          </p:cNvPr>
+          <p:cNvSpPr>
+            <a:spLocks noGrp="1"/>
+          </p:cNvSpPr>
+          <p:nvPr>
+            <p:ph type="sldNum" sz="quarter" idx="12"/>
+          </p:nvPr>
+        </p:nvSpPr>
+        <p:spPr/>
+        <p:txBody>
+          <a:bodyPr/>
+          <a:lstStyle/>
+          <a:p>
+            <a:fld id="{7A304655-5D53-B746-8252-3F5A598C52D3}" type="slidenum">
+              <a:rPr lang="en-CN" smtClean="0"/>
+              <a:pPr/>
+              <a:t>31</a:t>
             </a:fld>
             <a:endParaRPr lang="en-CN"/>
           </a:p>
@@ -14030,7 +14504,7 @@
 </p:sld>
 </file>
 
-<file path=ppt/slides/slide31.xml><?xml version="1.0" encoding="utf-8"?>
+<file path=ppt/slides/slide32.xml><?xml version="1.0" encoding="utf-8"?>
 <p:sld xmlns:a="http://schemas.openxmlformats.org/drawingml/2006/main" xmlns:r="http://schemas.openxmlformats.org/officeDocument/2006/relationships" xmlns:p="http://schemas.openxmlformats.org/presentationml/2006/main">
   <p:cSld>
     <p:spTree>
@@ -14071,7 +14545,7 @@
             <a:fld id="{7A304655-5D53-B746-8252-3F5A598C52D3}" type="slidenum">
               <a:rPr lang="en-CN" smtClean="0"/>
               <a:pPr/>
-              <a:t>31</a:t>
+              <a:t>32</a:t>
             </a:fld>
             <a:endParaRPr lang="en-CN"/>
           </a:p>
@@ -14849,7 +15323,7 @@
           <p:cNvPr id="2" name="Slide Number Placeholder 1">
             <a:extLst>
               <a:ext uri="{FF2B5EF4-FFF2-40B4-BE49-F238E27FC236}">
-                <a16:creationId xmlns:a16="http://schemas.microsoft.com/office/drawing/2014/main" id="{19C83E0D-53E9-E9A5-53D3-3E289B4D8900}"/>
+                <a16:creationId xmlns:a16="http://schemas.microsoft.com/office/drawing/2014/main" id="{55EE5C1C-52F1-3545-9158-BF2C1D74BC0E}"/>
               </a:ext>
             </a:extLst>
           </p:cNvPr>
@@ -14869,6 +15343,133 @@
               <a:rPr lang="en-CN" smtClean="0"/>
               <a:pPr/>
               <a:t>7</a:t>
+            </a:fld>
+            <a:endParaRPr lang="en-CN"/>
+          </a:p>
+        </p:txBody>
+      </p:sp>
+      <p:sp>
+        <p:nvSpPr>
+          <p:cNvPr id="3" name="Title 2">
+            <a:extLst>
+              <a:ext uri="{FF2B5EF4-FFF2-40B4-BE49-F238E27FC236}">
+                <a16:creationId xmlns:a16="http://schemas.microsoft.com/office/drawing/2014/main" id="{AEF5EEF7-C504-D106-2ADB-5EFD15D03BA7}"/>
+              </a:ext>
+            </a:extLst>
+          </p:cNvPr>
+          <p:cNvSpPr>
+            <a:spLocks noGrp="1"/>
+          </p:cNvSpPr>
+          <p:nvPr>
+            <p:ph type="title"/>
+          </p:nvPr>
+        </p:nvSpPr>
+        <p:spPr/>
+        <p:txBody>
+          <a:bodyPr/>
+          <a:lstStyle/>
+          <a:p>
+            <a:r>
+              <a:rPr kumimoji="1" lang="en-US" altLang="zh-CN" dirty="0"/>
+              <a:t>Relax(</a:t>
+            </a:r>
+            <a:r>
+              <a:rPr kumimoji="1" lang="zh-CN" altLang="en-US" dirty="0"/>
+              <a:t>松弛</a:t>
+            </a:r>
+            <a:r>
+              <a:rPr kumimoji="1" lang="en-US" altLang="zh-CN" dirty="0"/>
+              <a:t>)</a:t>
+            </a:r>
+            <a:endParaRPr kumimoji="1" lang="zh-CN" altLang="en-US" dirty="0"/>
+          </a:p>
+        </p:txBody>
+      </p:sp>
+      <p:pic>
+        <p:nvPicPr>
+          <p:cNvPr id="4" name="Picture 3">
+            <a:extLst>
+              <a:ext uri="{FF2B5EF4-FFF2-40B4-BE49-F238E27FC236}">
+                <a16:creationId xmlns:a16="http://schemas.microsoft.com/office/drawing/2014/main" id="{68DC9C8E-96B6-B4E3-DE38-21D879D84B16}"/>
+              </a:ext>
+            </a:extLst>
+          </p:cNvPr>
+          <p:cNvPicPr>
+            <a:picLocks noChangeAspect="1"/>
+          </p:cNvPicPr>
+          <p:nvPr/>
+        </p:nvPicPr>
+        <p:blipFill>
+          <a:blip r:embed="rId2"/>
+          <a:stretch>
+            <a:fillRect/>
+          </a:stretch>
+        </p:blipFill>
+        <p:spPr>
+          <a:xfrm>
+            <a:off x="1735748" y="1127944"/>
+            <a:ext cx="5867583" cy="4916311"/>
+          </a:xfrm>
+          <a:prstGeom prst="rect">
+            <a:avLst/>
+          </a:prstGeom>
+        </p:spPr>
+      </p:pic>
+    </p:spTree>
+    <p:extLst>
+      <p:ext uri="{BB962C8B-B14F-4D97-AF65-F5344CB8AC3E}">
+        <p14:creationId xmlns:p14="http://schemas.microsoft.com/office/powerpoint/2010/main" val="3826487898"/>
+      </p:ext>
+    </p:extLst>
+  </p:cSld>
+  <p:clrMapOvr>
+    <a:masterClrMapping/>
+  </p:clrMapOvr>
+</p:sld>
+</file>
+
+<file path=ppt/slides/slide8.xml><?xml version="1.0" encoding="utf-8"?>
+<p:sld xmlns:a="http://schemas.openxmlformats.org/drawingml/2006/main" xmlns:r="http://schemas.openxmlformats.org/officeDocument/2006/relationships" xmlns:p="http://schemas.openxmlformats.org/presentationml/2006/main">
+  <p:cSld>
+    <p:spTree>
+      <p:nvGrpSpPr>
+        <p:cNvPr id="1" name=""/>
+        <p:cNvGrpSpPr/>
+        <p:nvPr/>
+      </p:nvGrpSpPr>
+      <p:grpSpPr>
+        <a:xfrm>
+          <a:off x="0" y="0"/>
+          <a:ext cx="0" cy="0"/>
+          <a:chOff x="0" y="0"/>
+          <a:chExt cx="0" cy="0"/>
+        </a:xfrm>
+      </p:grpSpPr>
+      <p:sp>
+        <p:nvSpPr>
+          <p:cNvPr id="2" name="Slide Number Placeholder 1">
+            <a:extLst>
+              <a:ext uri="{FF2B5EF4-FFF2-40B4-BE49-F238E27FC236}">
+                <a16:creationId xmlns:a16="http://schemas.microsoft.com/office/drawing/2014/main" id="{19C83E0D-53E9-E9A5-53D3-3E289B4D8900}"/>
+              </a:ext>
+            </a:extLst>
+          </p:cNvPr>
+          <p:cNvSpPr>
+            <a:spLocks noGrp="1"/>
+          </p:cNvSpPr>
+          <p:nvPr>
+            <p:ph type="sldNum" sz="quarter" idx="12"/>
+          </p:nvPr>
+        </p:nvSpPr>
+        <p:spPr/>
+        <p:txBody>
+          <a:bodyPr/>
+          <a:lstStyle/>
+          <a:p>
+            <a:fld id="{7A304655-5D53-B746-8252-3F5A598C52D3}" type="slidenum">
+              <a:rPr lang="en-CN" smtClean="0"/>
+              <a:pPr/>
+              <a:t>8</a:t>
             </a:fld>
             <a:endParaRPr lang="en-CN"/>
           </a:p>
@@ -15811,7 +16412,7 @@
 </p:sld>
 </file>
 
-<file path=ppt/slides/slide8.xml><?xml version="1.0" encoding="utf-8"?>
+<file path=ppt/slides/slide9.xml><?xml version="1.0" encoding="utf-8"?>
 <p:sld xmlns:a="http://schemas.openxmlformats.org/drawingml/2006/main" xmlns:r="http://schemas.openxmlformats.org/officeDocument/2006/relationships" xmlns:p="http://schemas.openxmlformats.org/presentationml/2006/main">
   <p:cSld>
     <p:spTree>
@@ -15852,7 +16453,7 @@
             <a:fld id="{7A304655-5D53-B746-8252-3F5A598C52D3}" type="slidenum">
               <a:rPr lang="en-CN" smtClean="0"/>
               <a:pPr/>
-              <a:t>8</a:t>
+              <a:t>9</a:t>
             </a:fld>
             <a:endParaRPr lang="en-CN"/>
           </a:p>
@@ -16811,479 +17412,6 @@
     <p:extLst>
       <p:ext uri="{BB962C8B-B14F-4D97-AF65-F5344CB8AC3E}">
         <p14:creationId xmlns:p14="http://schemas.microsoft.com/office/powerpoint/2010/main" val="393343107"/>
-      </p:ext>
-    </p:extLst>
-  </p:cSld>
-  <p:clrMapOvr>
-    <a:masterClrMapping/>
-  </p:clrMapOvr>
-</p:sld>
-</file>
-
-<file path=ppt/slides/slide9.xml><?xml version="1.0" encoding="utf-8"?>
-<p:sld xmlns:a="http://schemas.openxmlformats.org/drawingml/2006/main" xmlns:r="http://schemas.openxmlformats.org/officeDocument/2006/relationships" xmlns:p="http://schemas.openxmlformats.org/presentationml/2006/main">
-  <p:cSld>
-    <p:spTree>
-      <p:nvGrpSpPr>
-        <p:cNvPr id="1" name=""/>
-        <p:cNvGrpSpPr/>
-        <p:nvPr/>
-      </p:nvGrpSpPr>
-      <p:grpSpPr>
-        <a:xfrm>
-          <a:off x="0" y="0"/>
-          <a:ext cx="0" cy="0"/>
-          <a:chOff x="0" y="0"/>
-          <a:chExt cx="0" cy="0"/>
-        </a:xfrm>
-      </p:grpSpPr>
-      <p:sp>
-        <p:nvSpPr>
-          <p:cNvPr id="2" name="Slide Number Placeholder 1">
-            <a:extLst>
-              <a:ext uri="{FF2B5EF4-FFF2-40B4-BE49-F238E27FC236}">
-                <a16:creationId xmlns:a16="http://schemas.microsoft.com/office/drawing/2014/main" id="{212ABD0C-005B-BACF-261C-214CA22158B8}"/>
-              </a:ext>
-            </a:extLst>
-          </p:cNvPr>
-          <p:cNvSpPr>
-            <a:spLocks noGrp="1"/>
-          </p:cNvSpPr>
-          <p:nvPr>
-            <p:ph type="sldNum" sz="quarter" idx="12"/>
-          </p:nvPr>
-        </p:nvSpPr>
-        <p:spPr/>
-        <p:txBody>
-          <a:bodyPr/>
-          <a:lstStyle/>
-          <a:p>
-            <a:fld id="{7A304655-5D53-B746-8252-3F5A598C52D3}" type="slidenum">
-              <a:rPr lang="en-CN" smtClean="0"/>
-              <a:pPr/>
-              <a:t>9</a:t>
-            </a:fld>
-            <a:endParaRPr lang="en-CN"/>
-          </a:p>
-        </p:txBody>
-      </p:sp>
-      <p:sp>
-        <p:nvSpPr>
-          <p:cNvPr id="3" name="Title 2">
-            <a:extLst>
-              <a:ext uri="{FF2B5EF4-FFF2-40B4-BE49-F238E27FC236}">
-                <a16:creationId xmlns:a16="http://schemas.microsoft.com/office/drawing/2014/main" id="{075D986E-236E-6F49-8BC8-89C86ED666F3}"/>
-              </a:ext>
-            </a:extLst>
-          </p:cNvPr>
-          <p:cNvSpPr>
-            <a:spLocks noGrp="1"/>
-          </p:cNvSpPr>
-          <p:nvPr>
-            <p:ph type="title"/>
-          </p:nvPr>
-        </p:nvSpPr>
-        <p:spPr/>
-        <p:txBody>
-          <a:bodyPr/>
-          <a:lstStyle/>
-          <a:p>
-            <a:r>
-              <a:rPr kumimoji="1" lang="en-US" altLang="zh-CN" dirty="0"/>
-              <a:t>Relaxing</a:t>
-            </a:r>
-            <a:r>
-              <a:rPr kumimoji="1" lang="zh-CN" altLang="en-US" dirty="0"/>
-              <a:t> </a:t>
-            </a:r>
-            <a:r>
-              <a:rPr kumimoji="1" lang="en-US" altLang="zh-CN" dirty="0"/>
-              <a:t>edges</a:t>
-            </a:r>
-            <a:endParaRPr kumimoji="1" lang="zh-CN" altLang="en-US" dirty="0"/>
-          </a:p>
-        </p:txBody>
-      </p:sp>
-      <p:sp>
-        <p:nvSpPr>
-          <p:cNvPr id="4" name="TextBox 3">
-            <a:extLst>
-              <a:ext uri="{FF2B5EF4-FFF2-40B4-BE49-F238E27FC236}">
-                <a16:creationId xmlns:a16="http://schemas.microsoft.com/office/drawing/2014/main" id="{CB02955A-B6D2-7B8E-F0A4-431E9EAAF15C}"/>
-              </a:ext>
-            </a:extLst>
-          </p:cNvPr>
-          <p:cNvSpPr txBox="1"/>
-          <p:nvPr/>
-        </p:nvSpPr>
-        <p:spPr>
-          <a:xfrm>
-            <a:off x="688622" y="1241778"/>
-            <a:ext cx="6707927" cy="4154984"/>
-          </a:xfrm>
-          <a:prstGeom prst="rect">
-            <a:avLst/>
-          </a:prstGeom>
-          <a:noFill/>
-        </p:spPr>
-        <p:txBody>
-          <a:bodyPr wrap="none" rtlCol="0">
-            <a:spAutoFit/>
-          </a:bodyPr>
-          <a:lstStyle/>
-          <a:p>
-            <a:pPr marL="342900" indent="-342900" algn="l">
-              <a:buFont typeface="Arial" panose="020B0604020202020204" pitchFamily="34" charset="0"/>
-              <a:buChar char="•"/>
-            </a:pPr>
-            <a:r>
-              <a:rPr kumimoji="1" lang="en-US" altLang="zh-CN" sz="2400" dirty="0"/>
-              <a:t>find?</a:t>
-            </a:r>
-            <a:r>
-              <a:rPr kumimoji="1" lang="zh-CN" altLang="en-US" sz="2400" dirty="0"/>
-              <a:t> </a:t>
-            </a:r>
-            <a:r>
-              <a:rPr kumimoji="1" lang="en-US" altLang="zh-CN" sz="2400" dirty="0"/>
-              <a:t>how</a:t>
-            </a:r>
-            <a:r>
-              <a:rPr kumimoji="1" lang="zh-CN" altLang="en-US" sz="2400" dirty="0"/>
-              <a:t> </a:t>
-            </a:r>
-            <a:r>
-              <a:rPr kumimoji="1" lang="en-US" altLang="zh-CN" sz="2400" dirty="0"/>
-              <a:t>to</a:t>
-            </a:r>
-            <a:r>
-              <a:rPr kumimoji="1" lang="zh-CN" altLang="en-US" sz="2400" dirty="0"/>
-              <a:t> </a:t>
-            </a:r>
-            <a:r>
-              <a:rPr kumimoji="1" lang="en-US" altLang="zh-CN" sz="2400" dirty="0"/>
-              <a:t>relax?</a:t>
-            </a:r>
-          </a:p>
-          <a:p>
-            <a:pPr algn="l"/>
-            <a:endParaRPr kumimoji="1" lang="en-US" altLang="zh-CN" sz="2400" dirty="0"/>
-          </a:p>
-          <a:p>
-            <a:pPr algn="l"/>
-            <a:r>
-              <a:rPr kumimoji="1" lang="en-US" altLang="zh-CN" sz="2400" dirty="0"/>
-              <a:t>depends</a:t>
-            </a:r>
-            <a:r>
-              <a:rPr kumimoji="1" lang="zh-CN" altLang="en-US" sz="2400" dirty="0"/>
-              <a:t> </a:t>
-            </a:r>
-            <a:r>
-              <a:rPr kumimoji="1" lang="en-US" altLang="zh-CN" sz="2400" dirty="0"/>
-              <a:t>on</a:t>
-            </a:r>
-            <a:r>
-              <a:rPr kumimoji="1" lang="zh-CN" altLang="en-US" sz="2400" dirty="0"/>
-              <a:t> </a:t>
-            </a:r>
-            <a:endParaRPr kumimoji="1" lang="en-US" altLang="zh-CN" sz="2400" dirty="0"/>
-          </a:p>
-          <a:p>
-            <a:pPr marL="342900" indent="-342900" algn="l">
-              <a:buFont typeface="Arial" panose="020B0604020202020204" pitchFamily="34" charset="0"/>
-              <a:buChar char="•"/>
-            </a:pPr>
-            <a:r>
-              <a:rPr kumimoji="1" lang="en-US" altLang="zh-CN" sz="2400" dirty="0"/>
-              <a:t>the</a:t>
-            </a:r>
-            <a:r>
-              <a:rPr kumimoji="1" lang="zh-CN" altLang="en-US" sz="2400" dirty="0"/>
-              <a:t> </a:t>
-            </a:r>
-            <a:r>
-              <a:rPr kumimoji="1" lang="en-US" altLang="zh-CN" sz="2400" dirty="0"/>
-              <a:t>property</a:t>
-            </a:r>
-            <a:r>
-              <a:rPr kumimoji="1" lang="zh-CN" altLang="en-US" sz="2400" dirty="0"/>
-              <a:t> </a:t>
-            </a:r>
-            <a:r>
-              <a:rPr kumimoji="1" lang="en-US" altLang="zh-CN" sz="2400" dirty="0"/>
-              <a:t>of</a:t>
-            </a:r>
-            <a:r>
-              <a:rPr kumimoji="1" lang="zh-CN" altLang="en-US" sz="2400" dirty="0"/>
-              <a:t> </a:t>
-            </a:r>
-            <a:r>
-              <a:rPr kumimoji="1" lang="en-US" altLang="zh-CN" sz="2400" dirty="0"/>
-              <a:t>the</a:t>
-            </a:r>
-            <a:r>
-              <a:rPr kumimoji="1" lang="zh-CN" altLang="en-US" sz="2400" dirty="0"/>
-              <a:t> </a:t>
-            </a:r>
-            <a:r>
-              <a:rPr kumimoji="1" lang="en-US" altLang="zh-CN" sz="2400" dirty="0"/>
-              <a:t>graph</a:t>
-            </a:r>
-          </a:p>
-          <a:p>
-            <a:pPr marL="800100" lvl="1" indent="-342900">
-              <a:buFont typeface="Arial" panose="020B0604020202020204" pitchFamily="34" charset="0"/>
-              <a:buChar char="•"/>
-            </a:pPr>
-            <a:r>
-              <a:rPr kumimoji="1" lang="en-US" altLang="zh-CN" sz="2400" dirty="0"/>
-              <a:t>negative</a:t>
-            </a:r>
-            <a:r>
-              <a:rPr kumimoji="1" lang="zh-CN" altLang="en-US" sz="2400" dirty="0"/>
-              <a:t> </a:t>
-            </a:r>
-            <a:r>
-              <a:rPr kumimoji="1" lang="en-US" altLang="zh-CN" sz="2400" dirty="0"/>
-              <a:t>cycle?</a:t>
-            </a:r>
-            <a:r>
-              <a:rPr kumimoji="1" lang="zh-CN" altLang="en-US" sz="2400" dirty="0"/>
-              <a:t> </a:t>
-            </a:r>
-            <a:r>
-              <a:rPr kumimoji="1" lang="en-US" altLang="zh-CN" sz="2400" dirty="0"/>
-              <a:t>weighted?</a:t>
-            </a:r>
-            <a:r>
-              <a:rPr kumimoji="1" lang="zh-CN" altLang="en-US" sz="2400" dirty="0"/>
-              <a:t> </a:t>
-            </a:r>
-            <a:r>
-              <a:rPr kumimoji="1" lang="en-US" altLang="zh-CN" sz="2400" dirty="0"/>
-              <a:t>…</a:t>
-            </a:r>
-          </a:p>
-          <a:p>
-            <a:pPr marL="800100" lvl="1" indent="-342900">
-              <a:buFont typeface="Arial" panose="020B0604020202020204" pitchFamily="34" charset="0"/>
-              <a:buChar char="•"/>
-            </a:pPr>
-            <a:endParaRPr kumimoji="1" lang="en-US" altLang="zh-CN" sz="2400" dirty="0"/>
-          </a:p>
-          <a:p>
-            <a:r>
-              <a:rPr kumimoji="1" lang="en-US" altLang="zh-CN" sz="2400" dirty="0"/>
-              <a:t>4</a:t>
-            </a:r>
-            <a:r>
-              <a:rPr kumimoji="1" lang="zh-CN" altLang="en-US" sz="2400" dirty="0"/>
-              <a:t> </a:t>
-            </a:r>
-            <a:r>
-              <a:rPr kumimoji="1" lang="en-US" altLang="zh-CN" sz="2400" dirty="0"/>
-              <a:t>variants</a:t>
-            </a:r>
-          </a:p>
-          <a:p>
-            <a:pPr marL="342900" indent="-342900">
-              <a:buFont typeface="Arial" panose="020B0604020202020204" pitchFamily="34" charset="0"/>
-              <a:buChar char="•"/>
-            </a:pPr>
-            <a:r>
-              <a:rPr kumimoji="1" lang="en-US" altLang="zh-CN" sz="2400" dirty="0"/>
-              <a:t>Unweighted</a:t>
-            </a:r>
-            <a:r>
-              <a:rPr kumimoji="1" lang="zh-CN" altLang="en-US" sz="2400" dirty="0"/>
-              <a:t> </a:t>
-            </a:r>
-            <a:r>
-              <a:rPr kumimoji="1" lang="en-US" altLang="zh-CN" sz="2400" dirty="0"/>
-              <a:t>graphs</a:t>
-            </a:r>
-            <a:r>
-              <a:rPr kumimoji="1" lang="zh-CN" altLang="en-US" sz="2400" dirty="0"/>
-              <a:t> </a:t>
-            </a:r>
-            <a:r>
-              <a:rPr kumimoji="1" lang="en-US" altLang="zh-CN" sz="2400" dirty="0"/>
-              <a:t>–</a:t>
-            </a:r>
-            <a:r>
-              <a:rPr kumimoji="1" lang="zh-CN" altLang="en-US" sz="2400" dirty="0"/>
-              <a:t> </a:t>
-            </a:r>
-            <a:r>
-              <a:rPr kumimoji="1" lang="en-US" altLang="zh-CN" sz="2400" dirty="0"/>
-              <a:t>Breadth</a:t>
-            </a:r>
-            <a:r>
-              <a:rPr kumimoji="1" lang="zh-CN" altLang="en-US" sz="2400" dirty="0"/>
-              <a:t> </a:t>
-            </a:r>
-            <a:r>
-              <a:rPr kumimoji="1" lang="en-US" altLang="zh-CN" sz="2400" dirty="0"/>
-              <a:t>First</a:t>
-            </a:r>
-            <a:r>
-              <a:rPr kumimoji="1" lang="zh-CN" altLang="en-US" sz="2400" dirty="0"/>
-              <a:t> </a:t>
-            </a:r>
-            <a:r>
-              <a:rPr kumimoji="1" lang="en-US" altLang="zh-CN" sz="2400" dirty="0"/>
-              <a:t>Search</a:t>
-            </a:r>
-          </a:p>
-          <a:p>
-            <a:pPr marL="342900" indent="-342900">
-              <a:buFont typeface="Arial" panose="020B0604020202020204" pitchFamily="34" charset="0"/>
-              <a:buChar char="•"/>
-            </a:pPr>
-            <a:r>
-              <a:rPr kumimoji="1" lang="en-US" altLang="zh-CN" sz="2400" dirty="0"/>
-              <a:t>Directed</a:t>
-            </a:r>
-            <a:r>
-              <a:rPr kumimoji="1" lang="zh-CN" altLang="en-US" sz="2400" dirty="0"/>
-              <a:t> </a:t>
-            </a:r>
-            <a:r>
-              <a:rPr kumimoji="1" lang="en-US" altLang="zh-CN" sz="2400" dirty="0"/>
-              <a:t>Acyclic</a:t>
-            </a:r>
-            <a:r>
-              <a:rPr kumimoji="1" lang="zh-CN" altLang="en-US" sz="2400" dirty="0"/>
-              <a:t> </a:t>
-            </a:r>
-            <a:r>
-              <a:rPr kumimoji="1" lang="en-US" altLang="zh-CN" sz="2400" dirty="0"/>
-              <a:t>Graphs</a:t>
-            </a:r>
-            <a:r>
-              <a:rPr kumimoji="1" lang="zh-CN" altLang="en-US" sz="2400" dirty="0"/>
-              <a:t> </a:t>
-            </a:r>
-            <a:r>
-              <a:rPr kumimoji="1" lang="en-US" altLang="zh-CN" sz="2400" dirty="0"/>
-              <a:t>–</a:t>
-            </a:r>
-            <a:r>
-              <a:rPr kumimoji="1" lang="zh-CN" altLang="en-US" sz="2400" dirty="0"/>
-              <a:t> </a:t>
-            </a:r>
-            <a:r>
-              <a:rPr kumimoji="1" lang="en-US" altLang="zh-CN" sz="2400" dirty="0"/>
-              <a:t>Depth</a:t>
-            </a:r>
-            <a:r>
-              <a:rPr kumimoji="1" lang="zh-CN" altLang="en-US" sz="2400" dirty="0"/>
-              <a:t> </a:t>
-            </a:r>
-            <a:r>
-              <a:rPr kumimoji="1" lang="en-US" altLang="zh-CN" sz="2400" dirty="0"/>
-              <a:t>First</a:t>
-            </a:r>
-            <a:r>
-              <a:rPr kumimoji="1" lang="zh-CN" altLang="en-US" sz="2400" dirty="0"/>
-              <a:t> </a:t>
-            </a:r>
-            <a:r>
-              <a:rPr kumimoji="1" lang="en-US" altLang="zh-CN" sz="2400" dirty="0"/>
-              <a:t>Search</a:t>
-            </a:r>
-          </a:p>
-          <a:p>
-            <a:pPr marL="342900" indent="-342900">
-              <a:buFont typeface="Arial" panose="020B0604020202020204" pitchFamily="34" charset="0"/>
-              <a:buChar char="•"/>
-            </a:pPr>
-            <a:r>
-              <a:rPr kumimoji="1" lang="en-US" altLang="zh-CN" sz="2400" dirty="0"/>
-              <a:t>Best</a:t>
-            </a:r>
-            <a:r>
-              <a:rPr kumimoji="1" lang="zh-CN" altLang="en-US" sz="2400" dirty="0"/>
-              <a:t> </a:t>
-            </a:r>
-            <a:r>
-              <a:rPr kumimoji="1" lang="en-US" altLang="zh-CN" sz="2400" dirty="0"/>
-              <a:t>First</a:t>
-            </a:r>
-            <a:r>
-              <a:rPr kumimoji="1" lang="zh-CN" altLang="en-US" sz="2400" dirty="0"/>
-              <a:t> </a:t>
-            </a:r>
-            <a:r>
-              <a:rPr kumimoji="1" lang="en-US" altLang="zh-CN" sz="2400" dirty="0"/>
-              <a:t>–</a:t>
-            </a:r>
-            <a:r>
-              <a:rPr kumimoji="1" lang="zh-CN" altLang="en-US" sz="2400" dirty="0"/>
-              <a:t> </a:t>
-            </a:r>
-            <a:r>
-              <a:rPr kumimoji="1" lang="en-US" altLang="zh-CN" sz="2400" dirty="0"/>
-              <a:t>Dijkstra's</a:t>
-            </a:r>
-            <a:r>
-              <a:rPr kumimoji="1" lang="zh-CN" altLang="en-US" sz="2400" dirty="0"/>
-              <a:t> </a:t>
-            </a:r>
-            <a:r>
-              <a:rPr kumimoji="1" lang="en-US" altLang="zh-CN" sz="2400" dirty="0"/>
-              <a:t>Algorithm</a:t>
-            </a:r>
-          </a:p>
-          <a:p>
-            <a:pPr marL="342900" indent="-342900">
-              <a:buFont typeface="Arial" panose="020B0604020202020204" pitchFamily="34" charset="0"/>
-              <a:buChar char="•"/>
-            </a:pPr>
-            <a:r>
-              <a:rPr kumimoji="1" lang="en-US" altLang="zh-CN" sz="2400" dirty="0"/>
-              <a:t>Relax</a:t>
-            </a:r>
-            <a:r>
-              <a:rPr kumimoji="1" lang="zh-CN" altLang="en-US" sz="2400" dirty="0"/>
-              <a:t> </a:t>
-            </a:r>
-            <a:r>
-              <a:rPr kumimoji="1" lang="en-US" altLang="zh-CN" sz="2400" dirty="0"/>
-              <a:t>all</a:t>
-            </a:r>
-            <a:r>
-              <a:rPr kumimoji="1" lang="zh-CN" altLang="en-US" sz="2400" dirty="0"/>
-              <a:t> </a:t>
-            </a:r>
-            <a:r>
-              <a:rPr kumimoji="1" lang="en-US" altLang="zh-CN" sz="2400" dirty="0"/>
-              <a:t>edges</a:t>
-            </a:r>
-            <a:r>
-              <a:rPr kumimoji="1" lang="zh-CN" altLang="en-US" sz="2400" dirty="0"/>
-              <a:t> </a:t>
-            </a:r>
-            <a:r>
-              <a:rPr kumimoji="1" lang="en-US" altLang="zh-CN" sz="2400" dirty="0"/>
-              <a:t>–</a:t>
-            </a:r>
-            <a:r>
-              <a:rPr kumimoji="1" lang="zh-CN" altLang="en-US" sz="2400" dirty="0"/>
-              <a:t> </a:t>
-            </a:r>
-            <a:r>
-              <a:rPr kumimoji="1" lang="en-US" altLang="zh-CN" sz="2400" dirty="0"/>
-              <a:t>Bellman-Ford</a:t>
-            </a:r>
-          </a:p>
-        </p:txBody>
-      </p:sp>
-    </p:spTree>
-    <p:extLst>
-      <p:ext uri="{BB962C8B-B14F-4D97-AF65-F5344CB8AC3E}">
-        <p14:creationId xmlns:p14="http://schemas.microsoft.com/office/powerpoint/2010/main" val="2488302301"/>
       </p:ext>
     </p:extLst>
   </p:cSld>
